--- a/documentation/argoworkflows.pptx
+++ b/documentation/argoworkflows.pptx
@@ -11,8 +11,8 @@
     <p:sldId id="256" r:id="rId2"/>
     <p:sldId id="257" r:id="rId3"/>
     <p:sldId id="259" r:id="rId4"/>
-    <p:sldId id="260" r:id="rId5"/>
-    <p:sldId id="261" r:id="rId6"/>
+    <p:sldId id="267" r:id="rId5"/>
+    <p:sldId id="260" r:id="rId6"/>
     <p:sldId id="262" r:id="rId7"/>
     <p:sldId id="263" r:id="rId8"/>
     <p:sldId id="264" r:id="rId9"/>
@@ -128,8 +128,8 @@
           <p14:sldIdLst>
             <p14:sldId id="257"/>
             <p14:sldId id="259"/>
+            <p14:sldId id="267"/>
             <p14:sldId id="260"/>
-            <p14:sldId id="261"/>
             <p14:sldId id="262"/>
             <p14:sldId id="263"/>
             <p14:sldId id="264"/>
@@ -924,10 +924,10 @@
             </a:lnSpc>
           </a:pPr>
           <a:r>
-            <a:rPr lang="es-ES"/>
+            <a:rPr lang="es-ES" dirty="0"/>
             <a:t>Introducción a Kubernetes</a:t>
           </a:r>
-          <a:endParaRPr lang="en-US"/>
+          <a:endParaRPr lang="en-US" dirty="0"/>
         </a:p>
       </dgm:t>
     </dgm:pt>
@@ -1877,10 +1877,10 @@
             <a:buNone/>
           </a:pPr>
           <a:r>
-            <a:rPr lang="es-ES" sz="1600" kern="1200"/>
+            <a:rPr lang="es-ES" sz="1600" kern="1200" dirty="0"/>
             <a:t>Introducción a Kubernetes</a:t>
           </a:r>
-          <a:endParaRPr lang="en-US" sz="1600" kern="1200"/>
+          <a:endParaRPr lang="en-US" sz="1600" kern="1200" dirty="0"/>
         </a:p>
       </dsp:txBody>
       <dsp:txXfrm>
@@ -4359,7 +4359,7 @@
           <a:p>
             <a:fld id="{1E13BBB0-2C5B-014F-B4B9-28EF5A9C8A2B}" type="datetimeFigureOut">
               <a:rPr lang="es-ES" smtClean="0"/>
-              <a:t>14/5/24</a:t>
+              <a:t>15/5/24</a:t>
             </a:fld>
             <a:endParaRPr lang="es-ES"/>
           </a:p>
@@ -4710,6 +4710,90 @@
 </p:notes>
 </file>
 
+<file path=ppt/notesSlides/notesSlide2.xml><?xml version="1.0" encoding="utf-8"?>
+<p:notes xmlns:a="http://schemas.openxmlformats.org/drawingml/2006/main" xmlns:r="http://schemas.openxmlformats.org/officeDocument/2006/relationships" xmlns:p="http://schemas.openxmlformats.org/presentationml/2006/main">
+  <p:cSld>
+    <p:spTree>
+      <p:nvGrpSpPr>
+        <p:cNvPr id="1" name=""/>
+        <p:cNvGrpSpPr/>
+        <p:nvPr/>
+      </p:nvGrpSpPr>
+      <p:grpSpPr>
+        <a:xfrm>
+          <a:off x="0" y="0"/>
+          <a:ext cx="0" cy="0"/>
+          <a:chOff x="0" y="0"/>
+          <a:chExt cx="0" cy="0"/>
+        </a:xfrm>
+      </p:grpSpPr>
+      <p:sp>
+        <p:nvSpPr>
+          <p:cNvPr id="2" name="Marcador de imagen de diapositiva 1"/>
+          <p:cNvSpPr>
+            <a:spLocks noGrp="1" noRot="1" noChangeAspect="1"/>
+          </p:cNvSpPr>
+          <p:nvPr>
+            <p:ph type="sldImg"/>
+          </p:nvPr>
+        </p:nvSpPr>
+        <p:spPr/>
+      </p:sp>
+      <p:sp>
+        <p:nvSpPr>
+          <p:cNvPr id="3" name="Marcador de notas 2"/>
+          <p:cNvSpPr>
+            <a:spLocks noGrp="1"/>
+          </p:cNvSpPr>
+          <p:nvPr>
+            <p:ph type="body" idx="1"/>
+          </p:nvPr>
+        </p:nvSpPr>
+        <p:spPr/>
+        <p:txBody>
+          <a:bodyPr/>
+          <a:lstStyle/>
+          <a:p>
+            <a:endParaRPr lang="es-ES" dirty="0"/>
+          </a:p>
+        </p:txBody>
+      </p:sp>
+      <p:sp>
+        <p:nvSpPr>
+          <p:cNvPr id="4" name="Marcador de número de diapositiva 3"/>
+          <p:cNvSpPr>
+            <a:spLocks noGrp="1"/>
+          </p:cNvSpPr>
+          <p:nvPr>
+            <p:ph type="sldNum" sz="quarter" idx="5"/>
+          </p:nvPr>
+        </p:nvSpPr>
+        <p:spPr/>
+        <p:txBody>
+          <a:bodyPr/>
+          <a:lstStyle/>
+          <a:p>
+            <a:fld id="{50939140-1AF7-7C46-B9AF-07DEF1BC4325}" type="slidenum">
+              <a:rPr lang="es-ES" smtClean="0"/>
+              <a:t>4</a:t>
+            </a:fld>
+            <a:endParaRPr lang="es-ES"/>
+          </a:p>
+        </p:txBody>
+      </p:sp>
+    </p:spTree>
+    <p:extLst>
+      <p:ext uri="{BB962C8B-B14F-4D97-AF65-F5344CB8AC3E}">
+        <p14:creationId xmlns:p14="http://schemas.microsoft.com/office/powerpoint/2010/main" val="4220772041"/>
+      </p:ext>
+    </p:extLst>
+  </p:cSld>
+  <p:clrMapOvr>
+    <a:masterClrMapping/>
+  </p:clrMapOvr>
+</p:notes>
+</file>
+
 <file path=ppt/slideLayouts/slideLayout1.xml><?xml version="1.0" encoding="utf-8"?>
 <p:sldLayout xmlns:a="http://schemas.openxmlformats.org/drawingml/2006/main" xmlns:r="http://schemas.openxmlformats.org/officeDocument/2006/relationships" xmlns:p="http://schemas.openxmlformats.org/presentationml/2006/main" type="title" preserve="1">
   <p:cSld name="Diapositiva de título">
@@ -4842,7 +4926,7 @@
             <a:fld id="{08B9EBBA-996F-894A-B54A-D6246ED52CEA}" type="datetimeFigureOut">
               <a:rPr lang="en-US" smtClean="0"/>
               <a:pPr/>
-              <a:t>5/14/24</a:t>
+              <a:t>5/15/24</a:t>
             </a:fld>
             <a:endParaRPr lang="en-US" dirty="0"/>
           </a:p>
@@ -4901,6 +4985,18 @@
   <p:clrMapOvr>
     <a:masterClrMapping/>
   </p:clrMapOvr>
+  <mc:AlternateContent xmlns:mc="http://schemas.openxmlformats.org/markup-compatibility/2006">
+    <mc:Choice xmlns:p159="http://schemas.microsoft.com/office/powerpoint/2015/09/main" Requires="p159">
+      <p:transition xmlns:p14="http://schemas.microsoft.com/office/powerpoint/2010/main" spd="slow" p14:dur="2000">
+        <p159:morph option="byObject"/>
+      </p:transition>
+    </mc:Choice>
+    <mc:Fallback>
+      <p:transition spd="slow">
+        <p:fade/>
+      </p:transition>
+    </mc:Fallback>
+  </mc:AlternateContent>
 </p:sldLayout>
 </file>
 
@@ -5014,7 +5110,7 @@
             <a:fld id="{09B482E8-6E0E-1B4F-B1FD-C69DB9E858D9}" type="datetimeFigureOut">
               <a:rPr lang="en-US" smtClean="0"/>
               <a:pPr/>
-              <a:t>5/14/24</a:t>
+              <a:t>5/15/24</a:t>
             </a:fld>
             <a:endParaRPr lang="en-US" dirty="0"/>
           </a:p>
@@ -5073,6 +5169,18 @@
   <p:clrMapOvr>
     <a:masterClrMapping/>
   </p:clrMapOvr>
+  <mc:AlternateContent xmlns:mc="http://schemas.openxmlformats.org/markup-compatibility/2006">
+    <mc:Choice xmlns:p159="http://schemas.microsoft.com/office/powerpoint/2015/09/main" Requires="p159">
+      <p:transition xmlns:p14="http://schemas.microsoft.com/office/powerpoint/2010/main" spd="slow" p14:dur="2000">
+        <p159:morph option="byObject"/>
+      </p:transition>
+    </mc:Choice>
+    <mc:Fallback>
+      <p:transition spd="slow">
+        <p:fade/>
+      </p:transition>
+    </mc:Fallback>
+  </mc:AlternateContent>
   <p:hf sldNum="0" hdr="0" ftr="0" dt="0"/>
 </p:sldLayout>
 </file>
@@ -5197,7 +5305,7 @@
             <a:fld id="{09B482E8-6E0E-1B4F-B1FD-C69DB9E858D9}" type="datetimeFigureOut">
               <a:rPr lang="en-US" smtClean="0"/>
               <a:pPr/>
-              <a:t>5/14/24</a:t>
+              <a:t>5/15/24</a:t>
             </a:fld>
             <a:endParaRPr lang="en-US" dirty="0"/>
           </a:p>
@@ -5256,6 +5364,18 @@
   <p:clrMapOvr>
     <a:masterClrMapping/>
   </p:clrMapOvr>
+  <mc:AlternateContent xmlns:mc="http://schemas.openxmlformats.org/markup-compatibility/2006">
+    <mc:Choice xmlns:p159="http://schemas.microsoft.com/office/powerpoint/2015/09/main" Requires="p159">
+      <p:transition xmlns:p14="http://schemas.microsoft.com/office/powerpoint/2010/main" spd="slow" p14:dur="2000">
+        <p159:morph option="byObject"/>
+      </p:transition>
+    </mc:Choice>
+    <mc:Fallback>
+      <p:transition spd="slow">
+        <p:fade/>
+      </p:transition>
+    </mc:Fallback>
+  </mc:AlternateContent>
   <p:hf sldNum="0" hdr="0" ftr="0" dt="0"/>
 </p:sldLayout>
 </file>
@@ -5370,7 +5490,7 @@
             <a:fld id="{09B482E8-6E0E-1B4F-B1FD-C69DB9E858D9}" type="datetimeFigureOut">
               <a:rPr lang="en-US" smtClean="0"/>
               <a:pPr/>
-              <a:t>5/14/24</a:t>
+              <a:t>5/15/24</a:t>
             </a:fld>
             <a:endParaRPr lang="en-US" dirty="0"/>
           </a:p>
@@ -5429,6 +5549,18 @@
   <p:clrMapOvr>
     <a:masterClrMapping/>
   </p:clrMapOvr>
+  <mc:AlternateContent xmlns:mc="http://schemas.openxmlformats.org/markup-compatibility/2006">
+    <mc:Choice xmlns:p159="http://schemas.microsoft.com/office/powerpoint/2015/09/main" Requires="p159">
+      <p:transition xmlns:p14="http://schemas.microsoft.com/office/powerpoint/2010/main" spd="slow" p14:dur="2000">
+        <p159:morph option="byObject"/>
+      </p:transition>
+    </mc:Choice>
+    <mc:Fallback>
+      <p:transition spd="slow">
+        <p:fade/>
+      </p:transition>
+    </mc:Fallback>
+  </mc:AlternateContent>
   <p:hf sldNum="0" hdr="0" ftr="0" dt="0"/>
 </p:sldLayout>
 </file>
@@ -5619,7 +5751,7 @@
             <a:fld id="{8DFA1846-DA80-1C48-A609-854EA85C59AD}" type="datetimeFigureOut">
               <a:rPr lang="en-US" smtClean="0"/>
               <a:pPr/>
-              <a:t>5/14/24</a:t>
+              <a:t>5/15/24</a:t>
             </a:fld>
             <a:endParaRPr lang="en-US" dirty="0"/>
           </a:p>
@@ -5678,6 +5810,18 @@
   <p:clrMapOvr>
     <a:masterClrMapping/>
   </p:clrMapOvr>
+  <mc:AlternateContent xmlns:mc="http://schemas.openxmlformats.org/markup-compatibility/2006">
+    <mc:Choice xmlns:p159="http://schemas.microsoft.com/office/powerpoint/2015/09/main" Requires="p159">
+      <p:transition xmlns:p14="http://schemas.microsoft.com/office/powerpoint/2010/main" spd="slow" p14:dur="2000">
+        <p159:morph option="byObject"/>
+      </p:transition>
+    </mc:Choice>
+    <mc:Fallback>
+      <p:transition spd="slow">
+        <p:fade/>
+      </p:transition>
+    </mc:Fallback>
+  </mc:AlternateContent>
 </p:sldLayout>
 </file>
 
@@ -5853,7 +5997,7 @@
             <a:fld id="{09B482E8-6E0E-1B4F-B1FD-C69DB9E858D9}" type="datetimeFigureOut">
               <a:rPr lang="en-US" smtClean="0"/>
               <a:pPr/>
-              <a:t>5/14/24</a:t>
+              <a:t>5/15/24</a:t>
             </a:fld>
             <a:endParaRPr lang="en-US" dirty="0"/>
           </a:p>
@@ -5912,6 +6056,18 @@
   <p:clrMapOvr>
     <a:masterClrMapping/>
   </p:clrMapOvr>
+  <mc:AlternateContent xmlns:mc="http://schemas.openxmlformats.org/markup-compatibility/2006">
+    <mc:Choice xmlns:p159="http://schemas.microsoft.com/office/powerpoint/2015/09/main" Requires="p159">
+      <p:transition xmlns:p14="http://schemas.microsoft.com/office/powerpoint/2010/main" spd="slow" p14:dur="2000">
+        <p159:morph option="byObject"/>
+      </p:transition>
+    </mc:Choice>
+    <mc:Fallback>
+      <p:transition spd="slow">
+        <p:fade/>
+      </p:transition>
+    </mc:Fallback>
+  </mc:AlternateContent>
   <p:hf sldNum="0" hdr="0" ftr="0" dt="0"/>
 </p:sldLayout>
 </file>
@@ -6223,7 +6379,7 @@
             <a:fld id="{09B482E8-6E0E-1B4F-B1FD-C69DB9E858D9}" type="datetimeFigureOut">
               <a:rPr lang="en-US" smtClean="0"/>
               <a:pPr/>
-              <a:t>5/14/24</a:t>
+              <a:t>5/15/24</a:t>
             </a:fld>
             <a:endParaRPr lang="en-US" dirty="0"/>
           </a:p>
@@ -6282,6 +6438,18 @@
   <p:clrMapOvr>
     <a:masterClrMapping/>
   </p:clrMapOvr>
+  <mc:AlternateContent xmlns:mc="http://schemas.openxmlformats.org/markup-compatibility/2006">
+    <mc:Choice xmlns:p159="http://schemas.microsoft.com/office/powerpoint/2015/09/main" Requires="p159">
+      <p:transition xmlns:p14="http://schemas.microsoft.com/office/powerpoint/2010/main" spd="slow" p14:dur="2000">
+        <p159:morph option="byObject"/>
+      </p:transition>
+    </mc:Choice>
+    <mc:Fallback>
+      <p:transition spd="slow">
+        <p:fade/>
+      </p:transition>
+    </mc:Fallback>
+  </mc:AlternateContent>
   <p:hf sldNum="0" hdr="0" ftr="0" dt="0"/>
 </p:sldLayout>
 </file>
@@ -6344,7 +6512,7 @@
             <a:fld id="{F13A34C8-038E-2045-AF43-DF7DBB8E0E9E}" type="datetimeFigureOut">
               <a:rPr lang="en-US" smtClean="0"/>
               <a:pPr/>
-              <a:t>5/14/24</a:t>
+              <a:t>5/15/24</a:t>
             </a:fld>
             <a:endParaRPr lang="en-US" dirty="0"/>
           </a:p>
@@ -6403,6 +6571,18 @@
   <p:clrMapOvr>
     <a:masterClrMapping/>
   </p:clrMapOvr>
+  <mc:AlternateContent xmlns:mc="http://schemas.openxmlformats.org/markup-compatibility/2006">
+    <mc:Choice xmlns:p159="http://schemas.microsoft.com/office/powerpoint/2015/09/main" Requires="p159">
+      <p:transition xmlns:p14="http://schemas.microsoft.com/office/powerpoint/2010/main" spd="slow" p14:dur="2000">
+        <p159:morph option="byObject"/>
+      </p:transition>
+    </mc:Choice>
+    <mc:Fallback>
+      <p:transition spd="slow">
+        <p:fade/>
+      </p:transition>
+    </mc:Fallback>
+  </mc:AlternateContent>
 </p:sldLayout>
 </file>
 
@@ -6441,7 +6621,7 @@
             <a:fld id="{8818C68F-D26B-8F47-958C-23B49CF8A634}" type="datetimeFigureOut">
               <a:rPr lang="en-US" smtClean="0"/>
               <a:pPr/>
-              <a:t>5/14/24</a:t>
+              <a:t>5/15/24</a:t>
             </a:fld>
             <a:endParaRPr lang="en-US" dirty="0"/>
           </a:p>
@@ -6500,6 +6680,18 @@
   <p:clrMapOvr>
     <a:masterClrMapping/>
   </p:clrMapOvr>
+  <mc:AlternateContent xmlns:mc="http://schemas.openxmlformats.org/markup-compatibility/2006">
+    <mc:Choice xmlns:p159="http://schemas.microsoft.com/office/powerpoint/2015/09/main" Requires="p159">
+      <p:transition xmlns:p14="http://schemas.microsoft.com/office/powerpoint/2010/main" spd="slow" p14:dur="2000">
+        <p159:morph option="byObject"/>
+      </p:transition>
+    </mc:Choice>
+    <mc:Fallback>
+      <p:transition spd="slow">
+        <p:fade/>
+      </p:transition>
+    </mc:Fallback>
+  </mc:AlternateContent>
 </p:sldLayout>
 </file>
 
@@ -6720,7 +6912,7 @@
             <a:fld id="{09B482E8-6E0E-1B4F-B1FD-C69DB9E858D9}" type="datetimeFigureOut">
               <a:rPr lang="en-US" smtClean="0"/>
               <a:pPr/>
-              <a:t>5/14/24</a:t>
+              <a:t>5/15/24</a:t>
             </a:fld>
             <a:endParaRPr lang="en-US" dirty="0"/>
           </a:p>
@@ -6779,6 +6971,18 @@
   <p:clrMapOvr>
     <a:masterClrMapping/>
   </p:clrMapOvr>
+  <mc:AlternateContent xmlns:mc="http://schemas.openxmlformats.org/markup-compatibility/2006">
+    <mc:Choice xmlns:p159="http://schemas.microsoft.com/office/powerpoint/2015/09/main" Requires="p159">
+      <p:transition xmlns:p14="http://schemas.microsoft.com/office/powerpoint/2010/main" spd="slow" p14:dur="2000">
+        <p159:morph option="byObject"/>
+      </p:transition>
+    </mc:Choice>
+    <mc:Fallback>
+      <p:transition spd="slow">
+        <p:fade/>
+      </p:transition>
+    </mc:Fallback>
+  </mc:AlternateContent>
   <p:hf sldNum="0" hdr="0" ftr="0" dt="0"/>
 </p:sldLayout>
 </file>
@@ -6980,7 +7184,7 @@
             <a:fld id="{09B482E8-6E0E-1B4F-B1FD-C69DB9E858D9}" type="datetimeFigureOut">
               <a:rPr lang="en-US" smtClean="0"/>
               <a:pPr/>
-              <a:t>5/14/24</a:t>
+              <a:t>5/15/24</a:t>
             </a:fld>
             <a:endParaRPr lang="en-US" dirty="0"/>
           </a:p>
@@ -7039,6 +7243,18 @@
   <p:clrMapOvr>
     <a:masterClrMapping/>
   </p:clrMapOvr>
+  <mc:AlternateContent xmlns:mc="http://schemas.openxmlformats.org/markup-compatibility/2006">
+    <mc:Choice xmlns:p159="http://schemas.microsoft.com/office/powerpoint/2015/09/main" Requires="p159">
+      <p:transition xmlns:p14="http://schemas.microsoft.com/office/powerpoint/2010/main" spd="slow" p14:dur="2000">
+        <p159:morph option="byObject"/>
+      </p:transition>
+    </mc:Choice>
+    <mc:Fallback>
+      <p:transition spd="slow">
+        <p:fade/>
+      </p:transition>
+    </mc:Fallback>
+  </mc:AlternateContent>
   <p:hf sldNum="0" hdr="0" ftr="0" dt="0"/>
 </p:sldLayout>
 </file>
@@ -7196,7 +7412,7 @@
             <a:fld id="{09B482E8-6E0E-1B4F-B1FD-C69DB9E858D9}" type="datetimeFigureOut">
               <a:rPr lang="en-US" smtClean="0"/>
               <a:pPr/>
-              <a:t>5/14/24</a:t>
+              <a:t>5/15/24</a:t>
             </a:fld>
             <a:endParaRPr lang="en-US" dirty="0"/>
           </a:p>
@@ -7302,6 +7518,18 @@
     <p:sldLayoutId id="2147484376" r:id="rId10"/>
     <p:sldLayoutId id="2147484377" r:id="rId11"/>
   </p:sldLayoutIdLst>
+  <mc:AlternateContent xmlns:mc="http://schemas.openxmlformats.org/markup-compatibility/2006">
+    <mc:Choice xmlns:p159="http://schemas.microsoft.com/office/powerpoint/2015/09/main" Requires="p159">
+      <p:transition xmlns:p14="http://schemas.microsoft.com/office/powerpoint/2010/main" spd="slow" p14:dur="2000">
+        <p159:morph option="byObject"/>
+      </p:transition>
+    </mc:Choice>
+    <mc:Fallback>
+      <p:transition spd="slow">
+        <p:fade/>
+      </p:transition>
+    </mc:Fallback>
+  </mc:AlternateContent>
   <p:hf sldNum="0" hdr="0" ftr="0" dt="0"/>
   <p:txStyles>
     <p:titleStyle>
@@ -7941,6 +8169,18 @@
   <p:clrMapOvr>
     <a:masterClrMapping/>
   </p:clrMapOvr>
+  <mc:AlternateContent xmlns:mc="http://schemas.openxmlformats.org/markup-compatibility/2006">
+    <mc:Choice xmlns:p159="http://schemas.microsoft.com/office/powerpoint/2015/09/main" Requires="p159">
+      <p:transition xmlns:p14="http://schemas.microsoft.com/office/powerpoint/2010/main" spd="slow" p14:dur="2000">
+        <p159:morph option="byObject"/>
+      </p:transition>
+    </mc:Choice>
+    <mc:Fallback>
+      <p:transition spd="slow">
+        <p:fade/>
+      </p:transition>
+    </mc:Fallback>
+  </mc:AlternateContent>
   <p:timing>
     <p:tnLst>
       <p:par>
@@ -8580,6 +8820,208 @@
           </a:prstGeom>
         </p:spPr>
       </p:pic>
+      <p:sp>
+        <p:nvSpPr>
+          <p:cNvPr id="5" name="Subtítulo 2">
+            <a:extLst>
+              <a:ext uri="{FF2B5EF4-FFF2-40B4-BE49-F238E27FC236}">
+                <a16:creationId xmlns:a16="http://schemas.microsoft.com/office/drawing/2014/main" id="{F1097CD5-7C08-C3E4-6AFD-F536348C2AF7}"/>
+              </a:ext>
+            </a:extLst>
+          </p:cNvPr>
+          <p:cNvSpPr txBox="1">
+            <a:spLocks/>
+          </p:cNvSpPr>
+          <p:nvPr/>
+        </p:nvSpPr>
+        <p:spPr>
+          <a:xfrm>
+            <a:off x="702704" y="6165048"/>
+            <a:ext cx="3847608" cy="503081"/>
+          </a:xfrm>
+          <a:prstGeom prst="rect">
+            <a:avLst/>
+          </a:prstGeom>
+        </p:spPr>
+        <p:txBody>
+          <a:bodyPr vert="horz" lIns="91440" tIns="45720" rIns="91440" bIns="45720" rtlCol="0">
+            <a:normAutofit/>
+          </a:bodyPr>
+          <a:lstStyle>
+            <a:lvl1pPr marL="0" indent="0" algn="ctr" defTabSz="914400" rtl="0" eaLnBrk="1" latinLnBrk="0" hangingPunct="1">
+              <a:lnSpc>
+                <a:spcPct val="90000"/>
+              </a:lnSpc>
+              <a:spcBef>
+                <a:spcPts val="1000"/>
+              </a:spcBef>
+              <a:buFont typeface="Arial" panose="020B0604020202020204" pitchFamily="34" charset="0"/>
+              <a:buNone/>
+              <a:defRPr sz="2400" kern="1200">
+                <a:solidFill>
+                  <a:schemeClr val="tx1"/>
+                </a:solidFill>
+                <a:latin typeface="+mn-lt"/>
+                <a:ea typeface="+mn-ea"/>
+                <a:cs typeface="+mn-cs"/>
+              </a:defRPr>
+            </a:lvl1pPr>
+            <a:lvl2pPr marL="457200" indent="0" algn="ctr" defTabSz="914400" rtl="0" eaLnBrk="1" latinLnBrk="0" hangingPunct="1">
+              <a:lnSpc>
+                <a:spcPct val="90000"/>
+              </a:lnSpc>
+              <a:spcBef>
+                <a:spcPts val="500"/>
+              </a:spcBef>
+              <a:buFont typeface="Arial" panose="020B0604020202020204" pitchFamily="34" charset="0"/>
+              <a:buNone/>
+              <a:defRPr sz="2000" kern="1200">
+                <a:solidFill>
+                  <a:schemeClr val="tx1"/>
+                </a:solidFill>
+                <a:latin typeface="+mn-lt"/>
+                <a:ea typeface="+mn-ea"/>
+                <a:cs typeface="+mn-cs"/>
+              </a:defRPr>
+            </a:lvl2pPr>
+            <a:lvl3pPr marL="914400" indent="0" algn="ctr" defTabSz="914400" rtl="0" eaLnBrk="1" latinLnBrk="0" hangingPunct="1">
+              <a:lnSpc>
+                <a:spcPct val="90000"/>
+              </a:lnSpc>
+              <a:spcBef>
+                <a:spcPts val="500"/>
+              </a:spcBef>
+              <a:buFont typeface="Arial" panose="020B0604020202020204" pitchFamily="34" charset="0"/>
+              <a:buNone/>
+              <a:defRPr sz="1800" kern="1200">
+                <a:solidFill>
+                  <a:schemeClr val="tx1"/>
+                </a:solidFill>
+                <a:latin typeface="+mn-lt"/>
+                <a:ea typeface="+mn-ea"/>
+                <a:cs typeface="+mn-cs"/>
+              </a:defRPr>
+            </a:lvl3pPr>
+            <a:lvl4pPr marL="1371600" indent="0" algn="ctr" defTabSz="914400" rtl="0" eaLnBrk="1" latinLnBrk="0" hangingPunct="1">
+              <a:lnSpc>
+                <a:spcPct val="90000"/>
+              </a:lnSpc>
+              <a:spcBef>
+                <a:spcPts val="500"/>
+              </a:spcBef>
+              <a:buFont typeface="Arial" panose="020B0604020202020204" pitchFamily="34" charset="0"/>
+              <a:buNone/>
+              <a:defRPr sz="1600" kern="1200">
+                <a:solidFill>
+                  <a:schemeClr val="tx1"/>
+                </a:solidFill>
+                <a:latin typeface="+mn-lt"/>
+                <a:ea typeface="+mn-ea"/>
+                <a:cs typeface="+mn-cs"/>
+              </a:defRPr>
+            </a:lvl4pPr>
+            <a:lvl5pPr marL="1828800" indent="0" algn="ctr" defTabSz="914400" rtl="0" eaLnBrk="1" latinLnBrk="0" hangingPunct="1">
+              <a:lnSpc>
+                <a:spcPct val="90000"/>
+              </a:lnSpc>
+              <a:spcBef>
+                <a:spcPts val="500"/>
+              </a:spcBef>
+              <a:buFont typeface="Arial" panose="020B0604020202020204" pitchFamily="34" charset="0"/>
+              <a:buNone/>
+              <a:defRPr sz="1600" kern="1200">
+                <a:solidFill>
+                  <a:schemeClr val="tx1"/>
+                </a:solidFill>
+                <a:latin typeface="+mn-lt"/>
+                <a:ea typeface="+mn-ea"/>
+                <a:cs typeface="+mn-cs"/>
+              </a:defRPr>
+            </a:lvl5pPr>
+            <a:lvl6pPr marL="2286000" indent="0" algn="ctr" defTabSz="914400" rtl="0" eaLnBrk="1" latinLnBrk="0" hangingPunct="1">
+              <a:lnSpc>
+                <a:spcPct val="90000"/>
+              </a:lnSpc>
+              <a:spcBef>
+                <a:spcPts val="500"/>
+              </a:spcBef>
+              <a:buFont typeface="Arial" panose="020B0604020202020204" pitchFamily="34" charset="0"/>
+              <a:buNone/>
+              <a:defRPr sz="1600" kern="1200">
+                <a:solidFill>
+                  <a:schemeClr val="tx1"/>
+                </a:solidFill>
+                <a:latin typeface="+mn-lt"/>
+                <a:ea typeface="+mn-ea"/>
+                <a:cs typeface="+mn-cs"/>
+              </a:defRPr>
+            </a:lvl6pPr>
+            <a:lvl7pPr marL="2743200" indent="0" algn="ctr" defTabSz="914400" rtl="0" eaLnBrk="1" latinLnBrk="0" hangingPunct="1">
+              <a:lnSpc>
+                <a:spcPct val="90000"/>
+              </a:lnSpc>
+              <a:spcBef>
+                <a:spcPts val="500"/>
+              </a:spcBef>
+              <a:buFont typeface="Arial" panose="020B0604020202020204" pitchFamily="34" charset="0"/>
+              <a:buNone/>
+              <a:defRPr sz="1600" kern="1200">
+                <a:solidFill>
+                  <a:schemeClr val="tx1"/>
+                </a:solidFill>
+                <a:latin typeface="+mn-lt"/>
+                <a:ea typeface="+mn-ea"/>
+                <a:cs typeface="+mn-cs"/>
+              </a:defRPr>
+            </a:lvl7pPr>
+            <a:lvl8pPr marL="3200400" indent="0" algn="ctr" defTabSz="914400" rtl="0" eaLnBrk="1" latinLnBrk="0" hangingPunct="1">
+              <a:lnSpc>
+                <a:spcPct val="90000"/>
+              </a:lnSpc>
+              <a:spcBef>
+                <a:spcPts val="500"/>
+              </a:spcBef>
+              <a:buFont typeface="Arial" panose="020B0604020202020204" pitchFamily="34" charset="0"/>
+              <a:buNone/>
+              <a:defRPr sz="1600" kern="1200">
+                <a:solidFill>
+                  <a:schemeClr val="tx1"/>
+                </a:solidFill>
+                <a:latin typeface="+mn-lt"/>
+                <a:ea typeface="+mn-ea"/>
+                <a:cs typeface="+mn-cs"/>
+              </a:defRPr>
+            </a:lvl8pPr>
+            <a:lvl9pPr marL="3657600" indent="0" algn="ctr" defTabSz="914400" rtl="0" eaLnBrk="1" latinLnBrk="0" hangingPunct="1">
+              <a:lnSpc>
+                <a:spcPct val="90000"/>
+              </a:lnSpc>
+              <a:spcBef>
+                <a:spcPts val="500"/>
+              </a:spcBef>
+              <a:buFont typeface="Arial" panose="020B0604020202020204" pitchFamily="34" charset="0"/>
+              <a:buNone/>
+              <a:defRPr sz="1600" kern="1200">
+                <a:solidFill>
+                  <a:schemeClr val="tx1"/>
+                </a:solidFill>
+                <a:latin typeface="+mn-lt"/>
+                <a:ea typeface="+mn-ea"/>
+                <a:cs typeface="+mn-cs"/>
+              </a:defRPr>
+            </a:lvl9pPr>
+          </a:lstStyle>
+          <a:p>
+            <a:pPr algn="l"/>
+            <a:r>
+              <a:rPr lang="es-ES" sz="1600" b="1" dirty="0">
+                <a:latin typeface="Avenir Book" panose="02000503020000020003" pitchFamily="2" charset="0"/>
+              </a:rPr>
+              <a:t>Agradecimiento a Diego Fernández</a:t>
+            </a:r>
+          </a:p>
+        </p:txBody>
+      </p:sp>
     </p:spTree>
     <p:extLst>
       <p:ext uri="{BB962C8B-B14F-4D97-AF65-F5344CB8AC3E}">
@@ -8590,6 +9032,118 @@
   <p:clrMapOvr>
     <a:masterClrMapping/>
   </p:clrMapOvr>
+  <mc:AlternateContent xmlns:mc="http://schemas.openxmlformats.org/markup-compatibility/2006">
+    <mc:Choice xmlns:p159="http://schemas.microsoft.com/office/powerpoint/2015/09/main" Requires="p159">
+      <p:transition xmlns:p14="http://schemas.microsoft.com/office/powerpoint/2010/main" spd="slow" p14:dur="2000">
+        <p159:morph option="byObject"/>
+      </p:transition>
+    </mc:Choice>
+    <mc:Fallback>
+      <p:transition spd="slow">
+        <p:fade/>
+      </p:transition>
+    </mc:Fallback>
+  </mc:AlternateContent>
+  <p:timing>
+    <p:tnLst>
+      <p:par>
+        <p:cTn id="1" dur="indefinite" restart="never" nodeType="tmRoot">
+          <p:childTnLst>
+            <p:seq concurrent="1" nextAc="seek">
+              <p:cTn id="2" dur="indefinite" nodeType="mainSeq">
+                <p:childTnLst>
+                  <p:par>
+                    <p:cTn id="3" fill="hold">
+                      <p:stCondLst>
+                        <p:cond delay="indefinite"/>
+                        <p:cond evt="onBegin" delay="0">
+                          <p:tn val="2"/>
+                        </p:cond>
+                      </p:stCondLst>
+                      <p:childTnLst>
+                        <p:par>
+                          <p:cTn id="4" fill="hold">
+                            <p:stCondLst>
+                              <p:cond delay="0"/>
+                            </p:stCondLst>
+                            <p:childTnLst>
+                              <p:par>
+                                <p:cTn id="5" presetID="10" presetClass="entr" presetSubtype="0" fill="hold" grpId="0" nodeType="withEffect">
+                                  <p:stCondLst>
+                                    <p:cond delay="1000"/>
+                                  </p:stCondLst>
+                                  <p:iterate type="wd">
+                                    <p:tmPct val="15000"/>
+                                  </p:iterate>
+                                  <p:childTnLst>
+                                    <p:set>
+                                      <p:cBhvr>
+                                        <p:cTn id="6" dur="1" fill="hold">
+                                          <p:stCondLst>
+                                            <p:cond delay="0"/>
+                                          </p:stCondLst>
+                                        </p:cTn>
+                                        <p:tgtEl>
+                                          <p:spTgt spid="5">
+                                            <p:txEl>
+                                              <p:pRg st="0" end="0"/>
+                                            </p:txEl>
+                                          </p:spTgt>
+                                        </p:tgtEl>
+                                        <p:attrNameLst>
+                                          <p:attrName>style.visibility</p:attrName>
+                                        </p:attrNameLst>
+                                      </p:cBhvr>
+                                      <p:to>
+                                        <p:strVal val="visible"/>
+                                      </p:to>
+                                    </p:set>
+                                    <p:animEffect transition="in" filter="fade">
+                                      <p:cBhvr>
+                                        <p:cTn id="7" dur="1000"/>
+                                        <p:tgtEl>
+                                          <p:spTgt spid="5">
+                                            <p:txEl>
+                                              <p:pRg st="0" end="0"/>
+                                            </p:txEl>
+                                          </p:spTgt>
+                                        </p:tgtEl>
+                                      </p:cBhvr>
+                                    </p:animEffect>
+                                  </p:childTnLst>
+                                </p:cTn>
+                              </p:par>
+                            </p:childTnLst>
+                          </p:cTn>
+                        </p:par>
+                      </p:childTnLst>
+                    </p:cTn>
+                  </p:par>
+                </p:childTnLst>
+              </p:cTn>
+              <p:prevCondLst>
+                <p:cond evt="onPrev" delay="0">
+                  <p:tgtEl>
+                    <p:sldTgt/>
+                  </p:tgtEl>
+                </p:cond>
+              </p:prevCondLst>
+              <p:nextCondLst>
+                <p:cond evt="onNext" delay="0">
+                  <p:tgtEl>
+                    <p:sldTgt/>
+                  </p:tgtEl>
+                </p:cond>
+              </p:nextCondLst>
+            </p:seq>
+          </p:childTnLst>
+        </p:cTn>
+      </p:par>
+    </p:tnLst>
+    <p:bldLst>
+      <p:bldP spid="5" grpId="0" uiExpand="1" build="p"/>
+    </p:bldLst>
+  </p:timing>
 </p:sld>
 </file>
 
@@ -8908,6 +9462,18 @@
   <p:clrMapOvr>
     <a:masterClrMapping/>
   </p:clrMapOvr>
+  <mc:AlternateContent xmlns:mc="http://schemas.openxmlformats.org/markup-compatibility/2006">
+    <mc:Choice xmlns:p159="http://schemas.microsoft.com/office/powerpoint/2015/09/main" Requires="p159">
+      <p:transition xmlns:p14="http://schemas.microsoft.com/office/powerpoint/2010/main" spd="slow" p14:dur="2000">
+        <p159:morph option="byObject"/>
+      </p:transition>
+    </mc:Choice>
+    <mc:Fallback>
+      <p:transition spd="slow">
+        <p:fade/>
+      </p:transition>
+    </mc:Fallback>
+  </mc:AlternateContent>
 </p:sld>
 </file>
 
@@ -8968,7 +9534,7 @@
               <a:rPr lang="es-ES" sz="3600" dirty="0">
                 <a:latin typeface="Avenir Book" panose="02000503020000020003" pitchFamily="2" charset="0"/>
               </a:rPr>
-              <a:t>¿Qué es Kubernetes?</a:t>
+              <a:t>¿Qué es Kubernetes (k8s)?</a:t>
             </a:r>
           </a:p>
         </p:txBody>
@@ -9304,6 +9870,18 @@
   <p:clrMapOvr>
     <a:masterClrMapping/>
   </p:clrMapOvr>
+  <mc:AlternateContent xmlns:mc="http://schemas.openxmlformats.org/markup-compatibility/2006">
+    <mc:Choice xmlns:p159="http://schemas.microsoft.com/office/powerpoint/2015/09/main" Requires="p159">
+      <p:transition xmlns:p14="http://schemas.microsoft.com/office/powerpoint/2010/main" spd="slow" p14:dur="2000">
+        <p159:morph option="byObject"/>
+      </p:transition>
+    </mc:Choice>
+    <mc:Fallback>
+      <p:transition spd="slow">
+        <p:fade/>
+      </p:transition>
+    </mc:Fallback>
+  </mc:AlternateContent>
 </p:sld>
 </file>
 
@@ -9369,6 +9947,1699 @@
           </a:p>
         </p:txBody>
       </p:sp>
+      <p:cxnSp>
+        <p:nvCxnSpPr>
+          <p:cNvPr id="8" name="Conector recto 7">
+            <a:extLst>
+              <a:ext uri="{FF2B5EF4-FFF2-40B4-BE49-F238E27FC236}">
+                <a16:creationId xmlns:a16="http://schemas.microsoft.com/office/drawing/2014/main" id="{2B905A0A-23F9-E3ED-D898-A5312D31435C}"/>
+              </a:ext>
+            </a:extLst>
+          </p:cNvPr>
+          <p:cNvCxnSpPr>
+            <a:cxnSpLocks/>
+          </p:cNvCxnSpPr>
+          <p:nvPr/>
+        </p:nvCxnSpPr>
+        <p:spPr>
+          <a:xfrm>
+            <a:off x="702704" y="861330"/>
+            <a:ext cx="10706324" cy="0"/>
+          </a:xfrm>
+          <a:prstGeom prst="line">
+            <a:avLst/>
+          </a:prstGeom>
+          <a:ln w="12700"/>
+        </p:spPr>
+        <p:style>
+          <a:lnRef idx="1">
+            <a:schemeClr val="accent6"/>
+          </a:lnRef>
+          <a:fillRef idx="0">
+            <a:schemeClr val="accent6"/>
+          </a:fillRef>
+          <a:effectRef idx="0">
+            <a:schemeClr val="accent6"/>
+          </a:effectRef>
+          <a:fontRef idx="minor">
+            <a:schemeClr val="tx1"/>
+          </a:fontRef>
+        </p:style>
+      </p:cxnSp>
+      <p:pic>
+        <p:nvPicPr>
+          <p:cNvPr id="10" name="Imagen 9" descr="Una caricatura de una persona&#10;&#10;Descripción generada automáticamente con confianza media">
+            <a:extLst>
+              <a:ext uri="{FF2B5EF4-FFF2-40B4-BE49-F238E27FC236}">
+                <a16:creationId xmlns:a16="http://schemas.microsoft.com/office/drawing/2014/main" id="{64ACBB0F-9E44-6884-FD93-5313AE7E25BA}"/>
+              </a:ext>
+            </a:extLst>
+          </p:cNvPr>
+          <p:cNvPicPr>
+            <a:picLocks noChangeAspect="1"/>
+          </p:cNvPicPr>
+          <p:nvPr/>
+        </p:nvPicPr>
+        <p:blipFill rotWithShape="1">
+          <a:blip r:embed="rId3">
+            <a:alphaModFix amt="35000"/>
+          </a:blip>
+          <a:srcRect l="28358" r="33442"/>
+          <a:stretch/>
+        </p:blipFill>
+        <p:spPr>
+          <a:xfrm>
+            <a:off x="10493579" y="5558985"/>
+            <a:ext cx="823170" cy="1212127"/>
+          </a:xfrm>
+          <a:custGeom>
+            <a:avLst/>
+            <a:gdLst/>
+            <a:ahLst/>
+            <a:cxnLst/>
+            <a:rect l="l" t="t" r="r" b="b"/>
+            <a:pathLst>
+              <a:path w="4657344" h="6858000">
+                <a:moveTo>
+                  <a:pt x="0" y="0"/>
+                </a:moveTo>
+                <a:lnTo>
+                  <a:pt x="3429755" y="0"/>
+                </a:lnTo>
+                <a:lnTo>
+                  <a:pt x="3526016" y="148742"/>
+                </a:lnTo>
+                <a:cubicBezTo>
+                  <a:pt x="3657740" y="365513"/>
+                  <a:pt x="3777402" y="589569"/>
+                  <a:pt x="3886489" y="819975"/>
+                </a:cubicBezTo>
+                <a:cubicBezTo>
+                  <a:pt x="3891856" y="833492"/>
+                  <a:pt x="3900663" y="845393"/>
+                  <a:pt x="3912049" y="854514"/>
+                </a:cubicBezTo>
+                <a:cubicBezTo>
+                  <a:pt x="3897352" y="819849"/>
+                  <a:pt x="3883037" y="784928"/>
+                  <a:pt x="3868083" y="750263"/>
+                </a:cubicBezTo>
+                <a:cubicBezTo>
+                  <a:pt x="3806989" y="608712"/>
+                  <a:pt x="3742478" y="469145"/>
+                  <a:pt x="3674155" y="331786"/>
+                </a:cubicBezTo>
+                <a:lnTo>
+                  <a:pt x="3496656" y="0"/>
+                </a:lnTo>
+                <a:lnTo>
+                  <a:pt x="3554371" y="0"/>
+                </a:lnTo>
+                <a:lnTo>
+                  <a:pt x="3661621" y="196614"/>
+                </a:lnTo>
+                <a:cubicBezTo>
+                  <a:pt x="3856899" y="573253"/>
+                  <a:pt x="4021071" y="966066"/>
+                  <a:pt x="4161279" y="1371196"/>
+                </a:cubicBezTo>
+                <a:cubicBezTo>
+                  <a:pt x="4379525" y="2007265"/>
+                  <a:pt x="4530141" y="2664286"/>
+                  <a:pt x="4610660" y="3331516"/>
+                </a:cubicBezTo>
+                <a:cubicBezTo>
+                  <a:pt x="4652837" y="3672965"/>
+                  <a:pt x="4671625" y="4013908"/>
+                  <a:pt x="4645040" y="4357388"/>
+                </a:cubicBezTo>
+                <a:cubicBezTo>
+                  <a:pt x="4613599" y="4758899"/>
+                  <a:pt x="4566181" y="5157998"/>
+                  <a:pt x="4485789" y="5552906"/>
+                </a:cubicBezTo>
+                <a:cubicBezTo>
+                  <a:pt x="4397121" y="5988893"/>
+                  <a:pt x="4276748" y="6414594"/>
+                  <a:pt x="4117769" y="6828295"/>
+                </a:cubicBezTo>
+                <a:lnTo>
+                  <a:pt x="4105288" y="6858000"/>
+                </a:lnTo>
+                <a:lnTo>
+                  <a:pt x="4052520" y="6858000"/>
+                </a:lnTo>
+                <a:lnTo>
+                  <a:pt x="4059369" y="6841549"/>
+                </a:lnTo>
+                <a:cubicBezTo>
+                  <a:pt x="4147276" y="6614016"/>
+                  <a:pt x="4224193" y="6380817"/>
+                  <a:pt x="4291518" y="6142729"/>
+                </a:cubicBezTo>
+                <a:cubicBezTo>
+                  <a:pt x="4350055" y="5935370"/>
+                  <a:pt x="4393256" y="5723695"/>
+                  <a:pt x="4443357" y="5513923"/>
+                </a:cubicBezTo>
+                <a:cubicBezTo>
+                  <a:pt x="4444541" y="5502788"/>
+                  <a:pt x="4445137" y="5491601"/>
+                  <a:pt x="4445146" y="5480401"/>
+                </a:cubicBezTo>
+                <a:cubicBezTo>
+                  <a:pt x="4408465" y="5607635"/>
+                  <a:pt x="4379196" y="5719759"/>
+                  <a:pt x="4344559" y="5830359"/>
+                </a:cubicBezTo>
+                <a:cubicBezTo>
+                  <a:pt x="4254261" y="6118381"/>
+                  <a:pt x="4150112" y="6398531"/>
+                  <a:pt x="4031702" y="6670527"/>
+                </a:cubicBezTo>
+                <a:lnTo>
+                  <a:pt x="3943824" y="6858000"/>
+                </a:lnTo>
+                <a:lnTo>
+                  <a:pt x="0" y="6858000"/>
+                </a:lnTo>
+                <a:close/>
+              </a:path>
+            </a:pathLst>
+          </a:custGeom>
+        </p:spPr>
+      </p:pic>
+      <p:pic>
+        <p:nvPicPr>
+          <p:cNvPr id="11" name="Imagen 10" descr="Texto, Pizarra&#10;&#10;Descripción generada automáticamente">
+            <a:extLst>
+              <a:ext uri="{FF2B5EF4-FFF2-40B4-BE49-F238E27FC236}">
+                <a16:creationId xmlns:a16="http://schemas.microsoft.com/office/drawing/2014/main" id="{F7ADC2EF-6606-4F4A-2557-DC4DD154F389}"/>
+              </a:ext>
+            </a:extLst>
+          </p:cNvPr>
+          <p:cNvPicPr>
+            <a:picLocks noChangeAspect="1"/>
+          </p:cNvPicPr>
+          <p:nvPr/>
+        </p:nvPicPr>
+        <p:blipFill>
+          <a:blip r:embed="rId4"/>
+          <a:stretch>
+            <a:fillRect/>
+          </a:stretch>
+        </p:blipFill>
+        <p:spPr>
+          <a:xfrm>
+            <a:off x="9647799" y="210827"/>
+            <a:ext cx="1841497" cy="650503"/>
+          </a:xfrm>
+          <a:prstGeom prst="rect">
+            <a:avLst/>
+          </a:prstGeom>
+        </p:spPr>
+      </p:pic>
+      <p:pic>
+        <p:nvPicPr>
+          <p:cNvPr id="7" name="Marcador de contenido 6">
+            <a:extLst>
+              <a:ext uri="{FF2B5EF4-FFF2-40B4-BE49-F238E27FC236}">
+                <a16:creationId xmlns:a16="http://schemas.microsoft.com/office/drawing/2014/main" id="{3FEE3768-E534-3844-1956-3DFEC71B961A}"/>
+              </a:ext>
+            </a:extLst>
+          </p:cNvPr>
+          <p:cNvPicPr>
+            <a:picLocks noGrp="1" noChangeAspect="1"/>
+          </p:cNvPicPr>
+          <p:nvPr>
+            <p:ph idx="1"/>
+          </p:nvPr>
+        </p:nvPicPr>
+        <p:blipFill>
+          <a:blip r:embed="rId5"/>
+          <a:stretch>
+            <a:fillRect/>
+          </a:stretch>
+        </p:blipFill>
+        <p:spPr>
+          <a:xfrm>
+            <a:off x="5706049" y="3310061"/>
+            <a:ext cx="2381078" cy="2381078"/>
+          </a:xfrm>
+        </p:spPr>
+      </p:pic>
+      <p:pic>
+        <p:nvPicPr>
+          <p:cNvPr id="12" name="Imagen 11">
+            <a:extLst>
+              <a:ext uri="{FF2B5EF4-FFF2-40B4-BE49-F238E27FC236}">
+                <a16:creationId xmlns:a16="http://schemas.microsoft.com/office/drawing/2014/main" id="{C8E9DC5E-A9FA-9406-4DCD-39284A98B748}"/>
+              </a:ext>
+            </a:extLst>
+          </p:cNvPr>
+          <p:cNvPicPr>
+            <a:picLocks noChangeAspect="1"/>
+          </p:cNvPicPr>
+          <p:nvPr/>
+        </p:nvPicPr>
+        <p:blipFill>
+          <a:blip r:embed="rId6"/>
+          <a:stretch>
+            <a:fillRect/>
+          </a:stretch>
+        </p:blipFill>
+        <p:spPr>
+          <a:xfrm>
+            <a:off x="385788" y="3548980"/>
+            <a:ext cx="2142159" cy="2142159"/>
+          </a:xfrm>
+          <a:prstGeom prst="rect">
+            <a:avLst/>
+          </a:prstGeom>
+        </p:spPr>
+      </p:pic>
+      <p:pic>
+        <p:nvPicPr>
+          <p:cNvPr id="14" name="Imagen 13">
+            <a:extLst>
+              <a:ext uri="{FF2B5EF4-FFF2-40B4-BE49-F238E27FC236}">
+                <a16:creationId xmlns:a16="http://schemas.microsoft.com/office/drawing/2014/main" id="{3DF86F54-8B4D-14D9-F8C9-266B55B2732D}"/>
+              </a:ext>
+            </a:extLst>
+          </p:cNvPr>
+          <p:cNvPicPr>
+            <a:picLocks noChangeAspect="1"/>
+          </p:cNvPicPr>
+          <p:nvPr/>
+        </p:nvPicPr>
+        <p:blipFill>
+          <a:blip r:embed="rId7"/>
+          <a:stretch>
+            <a:fillRect/>
+          </a:stretch>
+        </p:blipFill>
+        <p:spPr>
+          <a:xfrm>
+            <a:off x="5706049" y="1173680"/>
+            <a:ext cx="2341243" cy="2341243"/>
+          </a:xfrm>
+          <a:prstGeom prst="rect">
+            <a:avLst/>
+          </a:prstGeom>
+        </p:spPr>
+      </p:pic>
+      <p:pic>
+        <p:nvPicPr>
+          <p:cNvPr id="16" name="Imagen 15">
+            <a:extLst>
+              <a:ext uri="{FF2B5EF4-FFF2-40B4-BE49-F238E27FC236}">
+                <a16:creationId xmlns:a16="http://schemas.microsoft.com/office/drawing/2014/main" id="{E8082713-099A-C20D-F34F-354552B68BBB}"/>
+              </a:ext>
+            </a:extLst>
+          </p:cNvPr>
+          <p:cNvPicPr>
+            <a:picLocks noChangeAspect="1"/>
+          </p:cNvPicPr>
+          <p:nvPr/>
+        </p:nvPicPr>
+        <p:blipFill>
+          <a:blip r:embed="rId8"/>
+          <a:stretch>
+            <a:fillRect/>
+          </a:stretch>
+        </p:blipFill>
+        <p:spPr>
+          <a:xfrm>
+            <a:off x="195714" y="1313580"/>
+            <a:ext cx="2215309" cy="2215309"/>
+          </a:xfrm>
+          <a:prstGeom prst="rect">
+            <a:avLst/>
+          </a:prstGeom>
+        </p:spPr>
+      </p:pic>
+      <p:sp>
+        <p:nvSpPr>
+          <p:cNvPr id="17" name="Marcador de contenido 2">
+            <a:extLst>
+              <a:ext uri="{FF2B5EF4-FFF2-40B4-BE49-F238E27FC236}">
+                <a16:creationId xmlns:a16="http://schemas.microsoft.com/office/drawing/2014/main" id="{13E3530C-6276-164E-791B-59D10DF19B04}"/>
+              </a:ext>
+            </a:extLst>
+          </p:cNvPr>
+          <p:cNvSpPr txBox="1">
+            <a:spLocks/>
+          </p:cNvSpPr>
+          <p:nvPr/>
+        </p:nvSpPr>
+        <p:spPr>
+          <a:xfrm>
+            <a:off x="2411024" y="1623362"/>
+            <a:ext cx="2817132" cy="1595743"/>
+          </a:xfrm>
+          <a:prstGeom prst="rect">
+            <a:avLst/>
+          </a:prstGeom>
+        </p:spPr>
+        <p:txBody>
+          <a:bodyPr vert="horz" lIns="91440" tIns="45720" rIns="91440" bIns="45720" rtlCol="0">
+            <a:normAutofit fontScale="85000" lnSpcReduction="10000"/>
+          </a:bodyPr>
+          <a:lstStyle>
+            <a:lvl1pPr marL="228600" indent="-228600" algn="l" defTabSz="914400" rtl="0" eaLnBrk="1" latinLnBrk="0" hangingPunct="1">
+              <a:lnSpc>
+                <a:spcPct val="90000"/>
+              </a:lnSpc>
+              <a:spcBef>
+                <a:spcPts val="1000"/>
+              </a:spcBef>
+              <a:buFont typeface="Arial" panose="020B0604020202020204" pitchFamily="34" charset="0"/>
+              <a:buChar char="•"/>
+              <a:defRPr sz="2800" kern="1200">
+                <a:solidFill>
+                  <a:schemeClr val="tx1"/>
+                </a:solidFill>
+                <a:latin typeface="+mn-lt"/>
+                <a:ea typeface="+mn-ea"/>
+                <a:cs typeface="+mn-cs"/>
+              </a:defRPr>
+            </a:lvl1pPr>
+            <a:lvl2pPr marL="685800" indent="-228600" algn="l" defTabSz="914400" rtl="0" eaLnBrk="1" latinLnBrk="0" hangingPunct="1">
+              <a:lnSpc>
+                <a:spcPct val="90000"/>
+              </a:lnSpc>
+              <a:spcBef>
+                <a:spcPts val="500"/>
+              </a:spcBef>
+              <a:buFont typeface="Arial" panose="020B0604020202020204" pitchFamily="34" charset="0"/>
+              <a:buChar char="•"/>
+              <a:defRPr sz="2400" kern="1200">
+                <a:solidFill>
+                  <a:schemeClr val="tx1"/>
+                </a:solidFill>
+                <a:latin typeface="+mn-lt"/>
+                <a:ea typeface="+mn-ea"/>
+                <a:cs typeface="+mn-cs"/>
+              </a:defRPr>
+            </a:lvl2pPr>
+            <a:lvl3pPr marL="1143000" indent="-228600" algn="l" defTabSz="914400" rtl="0" eaLnBrk="1" latinLnBrk="0" hangingPunct="1">
+              <a:lnSpc>
+                <a:spcPct val="90000"/>
+              </a:lnSpc>
+              <a:spcBef>
+                <a:spcPts val="500"/>
+              </a:spcBef>
+              <a:buFont typeface="Arial" panose="020B0604020202020204" pitchFamily="34" charset="0"/>
+              <a:buChar char="•"/>
+              <a:defRPr sz="2000" kern="1200">
+                <a:solidFill>
+                  <a:schemeClr val="tx1"/>
+                </a:solidFill>
+                <a:latin typeface="+mn-lt"/>
+                <a:ea typeface="+mn-ea"/>
+                <a:cs typeface="+mn-cs"/>
+              </a:defRPr>
+            </a:lvl3pPr>
+            <a:lvl4pPr marL="1600200" indent="-228600" algn="l" defTabSz="914400" rtl="0" eaLnBrk="1" latinLnBrk="0" hangingPunct="1">
+              <a:lnSpc>
+                <a:spcPct val="90000"/>
+              </a:lnSpc>
+              <a:spcBef>
+                <a:spcPts val="500"/>
+              </a:spcBef>
+              <a:buFont typeface="Arial" panose="020B0604020202020204" pitchFamily="34" charset="0"/>
+              <a:buChar char="•"/>
+              <a:defRPr sz="1800" kern="1200">
+                <a:solidFill>
+                  <a:schemeClr val="tx1"/>
+                </a:solidFill>
+                <a:latin typeface="+mn-lt"/>
+                <a:ea typeface="+mn-ea"/>
+                <a:cs typeface="+mn-cs"/>
+              </a:defRPr>
+            </a:lvl4pPr>
+            <a:lvl5pPr marL="2057400" indent="-228600" algn="l" defTabSz="914400" rtl="0" eaLnBrk="1" latinLnBrk="0" hangingPunct="1">
+              <a:lnSpc>
+                <a:spcPct val="90000"/>
+              </a:lnSpc>
+              <a:spcBef>
+                <a:spcPts val="500"/>
+              </a:spcBef>
+              <a:buFont typeface="Arial" panose="020B0604020202020204" pitchFamily="34" charset="0"/>
+              <a:buChar char="•"/>
+              <a:defRPr sz="1800" kern="1200">
+                <a:solidFill>
+                  <a:schemeClr val="tx1"/>
+                </a:solidFill>
+                <a:latin typeface="+mn-lt"/>
+                <a:ea typeface="+mn-ea"/>
+                <a:cs typeface="+mn-cs"/>
+              </a:defRPr>
+            </a:lvl5pPr>
+            <a:lvl6pPr marL="2514600" indent="-228600" algn="l" defTabSz="914400" rtl="0" eaLnBrk="1" latinLnBrk="0" hangingPunct="1">
+              <a:lnSpc>
+                <a:spcPct val="90000"/>
+              </a:lnSpc>
+              <a:spcBef>
+                <a:spcPts val="500"/>
+              </a:spcBef>
+              <a:buFont typeface="Arial" panose="020B0604020202020204" pitchFamily="34" charset="0"/>
+              <a:buChar char="•"/>
+              <a:defRPr sz="1800" kern="1200">
+                <a:solidFill>
+                  <a:schemeClr val="tx1"/>
+                </a:solidFill>
+                <a:latin typeface="+mn-lt"/>
+                <a:ea typeface="+mn-ea"/>
+                <a:cs typeface="+mn-cs"/>
+              </a:defRPr>
+            </a:lvl6pPr>
+            <a:lvl7pPr marL="2971800" indent="-228600" algn="l" defTabSz="914400" rtl="0" eaLnBrk="1" latinLnBrk="0" hangingPunct="1">
+              <a:lnSpc>
+                <a:spcPct val="90000"/>
+              </a:lnSpc>
+              <a:spcBef>
+                <a:spcPts val="500"/>
+              </a:spcBef>
+              <a:buFont typeface="Arial" panose="020B0604020202020204" pitchFamily="34" charset="0"/>
+              <a:buChar char="•"/>
+              <a:defRPr sz="1800" kern="1200">
+                <a:solidFill>
+                  <a:schemeClr val="tx1"/>
+                </a:solidFill>
+                <a:latin typeface="+mn-lt"/>
+                <a:ea typeface="+mn-ea"/>
+                <a:cs typeface="+mn-cs"/>
+              </a:defRPr>
+            </a:lvl7pPr>
+            <a:lvl8pPr marL="3429000" indent="-228600" algn="l" defTabSz="914400" rtl="0" eaLnBrk="1" latinLnBrk="0" hangingPunct="1">
+              <a:lnSpc>
+                <a:spcPct val="90000"/>
+              </a:lnSpc>
+              <a:spcBef>
+                <a:spcPts val="500"/>
+              </a:spcBef>
+              <a:buFont typeface="Arial" panose="020B0604020202020204" pitchFamily="34" charset="0"/>
+              <a:buChar char="•"/>
+              <a:defRPr sz="1800" kern="1200">
+                <a:solidFill>
+                  <a:schemeClr val="tx1"/>
+                </a:solidFill>
+                <a:latin typeface="+mn-lt"/>
+                <a:ea typeface="+mn-ea"/>
+                <a:cs typeface="+mn-cs"/>
+              </a:defRPr>
+            </a:lvl8pPr>
+            <a:lvl9pPr marL="3886200" indent="-228600" algn="l" defTabSz="914400" rtl="0" eaLnBrk="1" latinLnBrk="0" hangingPunct="1">
+              <a:lnSpc>
+                <a:spcPct val="90000"/>
+              </a:lnSpc>
+              <a:spcBef>
+                <a:spcPts val="500"/>
+              </a:spcBef>
+              <a:buFont typeface="Arial" panose="020B0604020202020204" pitchFamily="34" charset="0"/>
+              <a:buChar char="•"/>
+              <a:defRPr sz="1800" kern="1200">
+                <a:solidFill>
+                  <a:schemeClr val="tx1"/>
+                </a:solidFill>
+                <a:latin typeface="+mn-lt"/>
+                <a:ea typeface="+mn-ea"/>
+                <a:cs typeface="+mn-cs"/>
+              </a:defRPr>
+            </a:lvl9pPr>
+          </a:lstStyle>
+          <a:p>
+            <a:pPr marL="0" indent="0">
+              <a:lnSpc>
+                <a:spcPct val="150000"/>
+              </a:lnSpc>
+              <a:buNone/>
+            </a:pPr>
+            <a:r>
+              <a:rPr lang="es-ES" sz="1800" dirty="0">
+                <a:latin typeface="Avenir Book" panose="02000503020000020003" pitchFamily="2" charset="0"/>
+              </a:rPr>
+              <a:t>Es un motor de flujos de trabajo nativo de K8s que facilita la automatización de tareas secuenciales y paralelas.</a:t>
+            </a:r>
+            <a:endParaRPr lang="es-ES" sz="2400" dirty="0">
+              <a:latin typeface="Avenir Book" panose="02000503020000020003" pitchFamily="2" charset="0"/>
+            </a:endParaRPr>
+          </a:p>
+        </p:txBody>
+      </p:sp>
+      <p:sp>
+        <p:nvSpPr>
+          <p:cNvPr id="18" name="Marcador de contenido 2">
+            <a:extLst>
+              <a:ext uri="{FF2B5EF4-FFF2-40B4-BE49-F238E27FC236}">
+                <a16:creationId xmlns:a16="http://schemas.microsoft.com/office/drawing/2014/main" id="{FD360266-9CDA-1CDF-06E9-D265F47D16C5}"/>
+              </a:ext>
+            </a:extLst>
+          </p:cNvPr>
+          <p:cNvSpPr txBox="1">
+            <a:spLocks/>
+          </p:cNvSpPr>
+          <p:nvPr/>
+        </p:nvSpPr>
+        <p:spPr>
+          <a:xfrm>
+            <a:off x="2411023" y="3999344"/>
+            <a:ext cx="2817132" cy="1595743"/>
+          </a:xfrm>
+          <a:prstGeom prst="rect">
+            <a:avLst/>
+          </a:prstGeom>
+        </p:spPr>
+        <p:txBody>
+          <a:bodyPr vert="horz" lIns="91440" tIns="45720" rIns="91440" bIns="45720" rtlCol="0">
+            <a:normAutofit fontScale="77500" lnSpcReduction="20000"/>
+          </a:bodyPr>
+          <a:lstStyle>
+            <a:lvl1pPr marL="228600" indent="-228600" algn="l" defTabSz="914400" rtl="0" eaLnBrk="1" latinLnBrk="0" hangingPunct="1">
+              <a:lnSpc>
+                <a:spcPct val="90000"/>
+              </a:lnSpc>
+              <a:spcBef>
+                <a:spcPts val="1000"/>
+              </a:spcBef>
+              <a:buFont typeface="Arial" panose="020B0604020202020204" pitchFamily="34" charset="0"/>
+              <a:buChar char="•"/>
+              <a:defRPr sz="2800" kern="1200">
+                <a:solidFill>
+                  <a:schemeClr val="tx1"/>
+                </a:solidFill>
+                <a:latin typeface="+mn-lt"/>
+                <a:ea typeface="+mn-ea"/>
+                <a:cs typeface="+mn-cs"/>
+              </a:defRPr>
+            </a:lvl1pPr>
+            <a:lvl2pPr marL="685800" indent="-228600" algn="l" defTabSz="914400" rtl="0" eaLnBrk="1" latinLnBrk="0" hangingPunct="1">
+              <a:lnSpc>
+                <a:spcPct val="90000"/>
+              </a:lnSpc>
+              <a:spcBef>
+                <a:spcPts val="500"/>
+              </a:spcBef>
+              <a:buFont typeface="Arial" panose="020B0604020202020204" pitchFamily="34" charset="0"/>
+              <a:buChar char="•"/>
+              <a:defRPr sz="2400" kern="1200">
+                <a:solidFill>
+                  <a:schemeClr val="tx1"/>
+                </a:solidFill>
+                <a:latin typeface="+mn-lt"/>
+                <a:ea typeface="+mn-ea"/>
+                <a:cs typeface="+mn-cs"/>
+              </a:defRPr>
+            </a:lvl2pPr>
+            <a:lvl3pPr marL="1143000" indent="-228600" algn="l" defTabSz="914400" rtl="0" eaLnBrk="1" latinLnBrk="0" hangingPunct="1">
+              <a:lnSpc>
+                <a:spcPct val="90000"/>
+              </a:lnSpc>
+              <a:spcBef>
+                <a:spcPts val="500"/>
+              </a:spcBef>
+              <a:buFont typeface="Arial" panose="020B0604020202020204" pitchFamily="34" charset="0"/>
+              <a:buChar char="•"/>
+              <a:defRPr sz="2000" kern="1200">
+                <a:solidFill>
+                  <a:schemeClr val="tx1"/>
+                </a:solidFill>
+                <a:latin typeface="+mn-lt"/>
+                <a:ea typeface="+mn-ea"/>
+                <a:cs typeface="+mn-cs"/>
+              </a:defRPr>
+            </a:lvl3pPr>
+            <a:lvl4pPr marL="1600200" indent="-228600" algn="l" defTabSz="914400" rtl="0" eaLnBrk="1" latinLnBrk="0" hangingPunct="1">
+              <a:lnSpc>
+                <a:spcPct val="90000"/>
+              </a:lnSpc>
+              <a:spcBef>
+                <a:spcPts val="500"/>
+              </a:spcBef>
+              <a:buFont typeface="Arial" panose="020B0604020202020204" pitchFamily="34" charset="0"/>
+              <a:buChar char="•"/>
+              <a:defRPr sz="1800" kern="1200">
+                <a:solidFill>
+                  <a:schemeClr val="tx1"/>
+                </a:solidFill>
+                <a:latin typeface="+mn-lt"/>
+                <a:ea typeface="+mn-ea"/>
+                <a:cs typeface="+mn-cs"/>
+              </a:defRPr>
+            </a:lvl4pPr>
+            <a:lvl5pPr marL="2057400" indent="-228600" algn="l" defTabSz="914400" rtl="0" eaLnBrk="1" latinLnBrk="0" hangingPunct="1">
+              <a:lnSpc>
+                <a:spcPct val="90000"/>
+              </a:lnSpc>
+              <a:spcBef>
+                <a:spcPts val="500"/>
+              </a:spcBef>
+              <a:buFont typeface="Arial" panose="020B0604020202020204" pitchFamily="34" charset="0"/>
+              <a:buChar char="•"/>
+              <a:defRPr sz="1800" kern="1200">
+                <a:solidFill>
+                  <a:schemeClr val="tx1"/>
+                </a:solidFill>
+                <a:latin typeface="+mn-lt"/>
+                <a:ea typeface="+mn-ea"/>
+                <a:cs typeface="+mn-cs"/>
+              </a:defRPr>
+            </a:lvl5pPr>
+            <a:lvl6pPr marL="2514600" indent="-228600" algn="l" defTabSz="914400" rtl="0" eaLnBrk="1" latinLnBrk="0" hangingPunct="1">
+              <a:lnSpc>
+                <a:spcPct val="90000"/>
+              </a:lnSpc>
+              <a:spcBef>
+                <a:spcPts val="500"/>
+              </a:spcBef>
+              <a:buFont typeface="Arial" panose="020B0604020202020204" pitchFamily="34" charset="0"/>
+              <a:buChar char="•"/>
+              <a:defRPr sz="1800" kern="1200">
+                <a:solidFill>
+                  <a:schemeClr val="tx1"/>
+                </a:solidFill>
+                <a:latin typeface="+mn-lt"/>
+                <a:ea typeface="+mn-ea"/>
+                <a:cs typeface="+mn-cs"/>
+              </a:defRPr>
+            </a:lvl6pPr>
+            <a:lvl7pPr marL="2971800" indent="-228600" algn="l" defTabSz="914400" rtl="0" eaLnBrk="1" latinLnBrk="0" hangingPunct="1">
+              <a:lnSpc>
+                <a:spcPct val="90000"/>
+              </a:lnSpc>
+              <a:spcBef>
+                <a:spcPts val="500"/>
+              </a:spcBef>
+              <a:buFont typeface="Arial" panose="020B0604020202020204" pitchFamily="34" charset="0"/>
+              <a:buChar char="•"/>
+              <a:defRPr sz="1800" kern="1200">
+                <a:solidFill>
+                  <a:schemeClr val="tx1"/>
+                </a:solidFill>
+                <a:latin typeface="+mn-lt"/>
+                <a:ea typeface="+mn-ea"/>
+                <a:cs typeface="+mn-cs"/>
+              </a:defRPr>
+            </a:lvl7pPr>
+            <a:lvl8pPr marL="3429000" indent="-228600" algn="l" defTabSz="914400" rtl="0" eaLnBrk="1" latinLnBrk="0" hangingPunct="1">
+              <a:lnSpc>
+                <a:spcPct val="90000"/>
+              </a:lnSpc>
+              <a:spcBef>
+                <a:spcPts val="500"/>
+              </a:spcBef>
+              <a:buFont typeface="Arial" panose="020B0604020202020204" pitchFamily="34" charset="0"/>
+              <a:buChar char="•"/>
+              <a:defRPr sz="1800" kern="1200">
+                <a:solidFill>
+                  <a:schemeClr val="tx1"/>
+                </a:solidFill>
+                <a:latin typeface="+mn-lt"/>
+                <a:ea typeface="+mn-ea"/>
+                <a:cs typeface="+mn-cs"/>
+              </a:defRPr>
+            </a:lvl8pPr>
+            <a:lvl9pPr marL="3886200" indent="-228600" algn="l" defTabSz="914400" rtl="0" eaLnBrk="1" latinLnBrk="0" hangingPunct="1">
+              <a:lnSpc>
+                <a:spcPct val="90000"/>
+              </a:lnSpc>
+              <a:spcBef>
+                <a:spcPts val="500"/>
+              </a:spcBef>
+              <a:buFont typeface="Arial" panose="020B0604020202020204" pitchFamily="34" charset="0"/>
+              <a:buChar char="•"/>
+              <a:defRPr sz="1800" kern="1200">
+                <a:solidFill>
+                  <a:schemeClr val="tx1"/>
+                </a:solidFill>
+                <a:latin typeface="+mn-lt"/>
+                <a:ea typeface="+mn-ea"/>
+                <a:cs typeface="+mn-cs"/>
+              </a:defRPr>
+            </a:lvl9pPr>
+          </a:lstStyle>
+          <a:p>
+            <a:pPr marL="0" indent="0">
+              <a:lnSpc>
+                <a:spcPct val="150000"/>
+              </a:lnSpc>
+              <a:buNone/>
+            </a:pPr>
+            <a:r>
+              <a:rPr lang="es-ES" sz="1800" dirty="0">
+                <a:latin typeface="Avenir Book" panose="02000503020000020003" pitchFamily="2" charset="0"/>
+              </a:rPr>
+              <a:t>Es una extensión de K8s que ofrece estrategias avanzadas de despliegue, como </a:t>
+            </a:r>
+            <a:r>
+              <a:rPr lang="es-ES" sz="1800" dirty="0" err="1">
+                <a:latin typeface="Avenir Book" panose="02000503020000020003" pitchFamily="2" charset="0"/>
+              </a:rPr>
+              <a:t>Canary</a:t>
+            </a:r>
+            <a:r>
+              <a:rPr lang="es-ES" sz="1800" dirty="0">
+                <a:latin typeface="Avenir Book" panose="02000503020000020003" pitchFamily="2" charset="0"/>
+              </a:rPr>
+              <a:t> y Blue-Green, simplificando las actualizaciones de aplicaciones</a:t>
+            </a:r>
+          </a:p>
+        </p:txBody>
+      </p:sp>
+      <p:sp>
+        <p:nvSpPr>
+          <p:cNvPr id="19" name="Marcador de contenido 2">
+            <a:extLst>
+              <a:ext uri="{FF2B5EF4-FFF2-40B4-BE49-F238E27FC236}">
+                <a16:creationId xmlns:a16="http://schemas.microsoft.com/office/drawing/2014/main" id="{B99C78C4-7F1F-BE85-795D-3F7FF67AB8C6}"/>
+              </a:ext>
+            </a:extLst>
+          </p:cNvPr>
+          <p:cNvSpPr txBox="1">
+            <a:spLocks/>
+          </p:cNvSpPr>
+          <p:nvPr/>
+        </p:nvSpPr>
+        <p:spPr>
+          <a:xfrm>
+            <a:off x="8330382" y="1623362"/>
+            <a:ext cx="2817132" cy="1972653"/>
+          </a:xfrm>
+          <a:prstGeom prst="rect">
+            <a:avLst/>
+          </a:prstGeom>
+        </p:spPr>
+        <p:txBody>
+          <a:bodyPr vert="horz" lIns="91440" tIns="45720" rIns="91440" bIns="45720" rtlCol="0">
+            <a:normAutofit fontScale="92500" lnSpcReduction="20000"/>
+          </a:bodyPr>
+          <a:lstStyle>
+            <a:lvl1pPr marL="228600" indent="-228600" algn="l" defTabSz="914400" rtl="0" eaLnBrk="1" latinLnBrk="0" hangingPunct="1">
+              <a:lnSpc>
+                <a:spcPct val="90000"/>
+              </a:lnSpc>
+              <a:spcBef>
+                <a:spcPts val="1000"/>
+              </a:spcBef>
+              <a:buFont typeface="Arial" panose="020B0604020202020204" pitchFamily="34" charset="0"/>
+              <a:buChar char="•"/>
+              <a:defRPr sz="2800" kern="1200">
+                <a:solidFill>
+                  <a:schemeClr val="tx1"/>
+                </a:solidFill>
+                <a:latin typeface="+mn-lt"/>
+                <a:ea typeface="+mn-ea"/>
+                <a:cs typeface="+mn-cs"/>
+              </a:defRPr>
+            </a:lvl1pPr>
+            <a:lvl2pPr marL="685800" indent="-228600" algn="l" defTabSz="914400" rtl="0" eaLnBrk="1" latinLnBrk="0" hangingPunct="1">
+              <a:lnSpc>
+                <a:spcPct val="90000"/>
+              </a:lnSpc>
+              <a:spcBef>
+                <a:spcPts val="500"/>
+              </a:spcBef>
+              <a:buFont typeface="Arial" panose="020B0604020202020204" pitchFamily="34" charset="0"/>
+              <a:buChar char="•"/>
+              <a:defRPr sz="2400" kern="1200">
+                <a:solidFill>
+                  <a:schemeClr val="tx1"/>
+                </a:solidFill>
+                <a:latin typeface="+mn-lt"/>
+                <a:ea typeface="+mn-ea"/>
+                <a:cs typeface="+mn-cs"/>
+              </a:defRPr>
+            </a:lvl2pPr>
+            <a:lvl3pPr marL="1143000" indent="-228600" algn="l" defTabSz="914400" rtl="0" eaLnBrk="1" latinLnBrk="0" hangingPunct="1">
+              <a:lnSpc>
+                <a:spcPct val="90000"/>
+              </a:lnSpc>
+              <a:spcBef>
+                <a:spcPts val="500"/>
+              </a:spcBef>
+              <a:buFont typeface="Arial" panose="020B0604020202020204" pitchFamily="34" charset="0"/>
+              <a:buChar char="•"/>
+              <a:defRPr sz="2000" kern="1200">
+                <a:solidFill>
+                  <a:schemeClr val="tx1"/>
+                </a:solidFill>
+                <a:latin typeface="+mn-lt"/>
+                <a:ea typeface="+mn-ea"/>
+                <a:cs typeface="+mn-cs"/>
+              </a:defRPr>
+            </a:lvl3pPr>
+            <a:lvl4pPr marL="1600200" indent="-228600" algn="l" defTabSz="914400" rtl="0" eaLnBrk="1" latinLnBrk="0" hangingPunct="1">
+              <a:lnSpc>
+                <a:spcPct val="90000"/>
+              </a:lnSpc>
+              <a:spcBef>
+                <a:spcPts val="500"/>
+              </a:spcBef>
+              <a:buFont typeface="Arial" panose="020B0604020202020204" pitchFamily="34" charset="0"/>
+              <a:buChar char="•"/>
+              <a:defRPr sz="1800" kern="1200">
+                <a:solidFill>
+                  <a:schemeClr val="tx1"/>
+                </a:solidFill>
+                <a:latin typeface="+mn-lt"/>
+                <a:ea typeface="+mn-ea"/>
+                <a:cs typeface="+mn-cs"/>
+              </a:defRPr>
+            </a:lvl4pPr>
+            <a:lvl5pPr marL="2057400" indent="-228600" algn="l" defTabSz="914400" rtl="0" eaLnBrk="1" latinLnBrk="0" hangingPunct="1">
+              <a:lnSpc>
+                <a:spcPct val="90000"/>
+              </a:lnSpc>
+              <a:spcBef>
+                <a:spcPts val="500"/>
+              </a:spcBef>
+              <a:buFont typeface="Arial" panose="020B0604020202020204" pitchFamily="34" charset="0"/>
+              <a:buChar char="•"/>
+              <a:defRPr sz="1800" kern="1200">
+                <a:solidFill>
+                  <a:schemeClr val="tx1"/>
+                </a:solidFill>
+                <a:latin typeface="+mn-lt"/>
+                <a:ea typeface="+mn-ea"/>
+                <a:cs typeface="+mn-cs"/>
+              </a:defRPr>
+            </a:lvl5pPr>
+            <a:lvl6pPr marL="2514600" indent="-228600" algn="l" defTabSz="914400" rtl="0" eaLnBrk="1" latinLnBrk="0" hangingPunct="1">
+              <a:lnSpc>
+                <a:spcPct val="90000"/>
+              </a:lnSpc>
+              <a:spcBef>
+                <a:spcPts val="500"/>
+              </a:spcBef>
+              <a:buFont typeface="Arial" panose="020B0604020202020204" pitchFamily="34" charset="0"/>
+              <a:buChar char="•"/>
+              <a:defRPr sz="1800" kern="1200">
+                <a:solidFill>
+                  <a:schemeClr val="tx1"/>
+                </a:solidFill>
+                <a:latin typeface="+mn-lt"/>
+                <a:ea typeface="+mn-ea"/>
+                <a:cs typeface="+mn-cs"/>
+              </a:defRPr>
+            </a:lvl6pPr>
+            <a:lvl7pPr marL="2971800" indent="-228600" algn="l" defTabSz="914400" rtl="0" eaLnBrk="1" latinLnBrk="0" hangingPunct="1">
+              <a:lnSpc>
+                <a:spcPct val="90000"/>
+              </a:lnSpc>
+              <a:spcBef>
+                <a:spcPts val="500"/>
+              </a:spcBef>
+              <a:buFont typeface="Arial" panose="020B0604020202020204" pitchFamily="34" charset="0"/>
+              <a:buChar char="•"/>
+              <a:defRPr sz="1800" kern="1200">
+                <a:solidFill>
+                  <a:schemeClr val="tx1"/>
+                </a:solidFill>
+                <a:latin typeface="+mn-lt"/>
+                <a:ea typeface="+mn-ea"/>
+                <a:cs typeface="+mn-cs"/>
+              </a:defRPr>
+            </a:lvl7pPr>
+            <a:lvl8pPr marL="3429000" indent="-228600" algn="l" defTabSz="914400" rtl="0" eaLnBrk="1" latinLnBrk="0" hangingPunct="1">
+              <a:lnSpc>
+                <a:spcPct val="90000"/>
+              </a:lnSpc>
+              <a:spcBef>
+                <a:spcPts val="500"/>
+              </a:spcBef>
+              <a:buFont typeface="Arial" panose="020B0604020202020204" pitchFamily="34" charset="0"/>
+              <a:buChar char="•"/>
+              <a:defRPr sz="1800" kern="1200">
+                <a:solidFill>
+                  <a:schemeClr val="tx1"/>
+                </a:solidFill>
+                <a:latin typeface="+mn-lt"/>
+                <a:ea typeface="+mn-ea"/>
+                <a:cs typeface="+mn-cs"/>
+              </a:defRPr>
+            </a:lvl8pPr>
+            <a:lvl9pPr marL="3886200" indent="-228600" algn="l" defTabSz="914400" rtl="0" eaLnBrk="1" latinLnBrk="0" hangingPunct="1">
+              <a:lnSpc>
+                <a:spcPct val="90000"/>
+              </a:lnSpc>
+              <a:spcBef>
+                <a:spcPts val="500"/>
+              </a:spcBef>
+              <a:buFont typeface="Arial" panose="020B0604020202020204" pitchFamily="34" charset="0"/>
+              <a:buChar char="•"/>
+              <a:defRPr sz="1800" kern="1200">
+                <a:solidFill>
+                  <a:schemeClr val="tx1"/>
+                </a:solidFill>
+                <a:latin typeface="+mn-lt"/>
+                <a:ea typeface="+mn-ea"/>
+                <a:cs typeface="+mn-cs"/>
+              </a:defRPr>
+            </a:lvl9pPr>
+          </a:lstStyle>
+          <a:p>
+            <a:pPr marL="0" indent="0">
+              <a:lnSpc>
+                <a:spcPct val="150000"/>
+              </a:lnSpc>
+              <a:buNone/>
+            </a:pPr>
+            <a:r>
+              <a:rPr lang="es-ES" sz="1600" dirty="0">
+                <a:latin typeface="Avenir Book" panose="02000503020000020003" pitchFamily="2" charset="0"/>
+              </a:rPr>
+              <a:t>Es una herramienta de entrega continua declarativa para K8s, que proporciona una interfaz de usuario completa para gestionar el despliegue de aplicaciones.</a:t>
+            </a:r>
+            <a:endParaRPr lang="es-ES" sz="2000" dirty="0">
+              <a:latin typeface="Avenir Book" panose="02000503020000020003" pitchFamily="2" charset="0"/>
+            </a:endParaRPr>
+          </a:p>
+        </p:txBody>
+      </p:sp>
+      <p:sp>
+        <p:nvSpPr>
+          <p:cNvPr id="20" name="Marcador de contenido 2">
+            <a:extLst>
+              <a:ext uri="{FF2B5EF4-FFF2-40B4-BE49-F238E27FC236}">
+                <a16:creationId xmlns:a16="http://schemas.microsoft.com/office/drawing/2014/main" id="{0CF90CB4-F736-CAF5-03E1-89738EEE0916}"/>
+              </a:ext>
+            </a:extLst>
+          </p:cNvPr>
+          <p:cNvSpPr txBox="1">
+            <a:spLocks/>
+          </p:cNvSpPr>
+          <p:nvPr/>
+        </p:nvSpPr>
+        <p:spPr>
+          <a:xfrm>
+            <a:off x="8330382" y="3999343"/>
+            <a:ext cx="2817132" cy="1595743"/>
+          </a:xfrm>
+          <a:prstGeom prst="rect">
+            <a:avLst/>
+          </a:prstGeom>
+        </p:spPr>
+        <p:txBody>
+          <a:bodyPr vert="horz" lIns="91440" tIns="45720" rIns="91440" bIns="45720" rtlCol="0">
+            <a:normAutofit fontScale="77500" lnSpcReduction="20000"/>
+          </a:bodyPr>
+          <a:lstStyle>
+            <a:lvl1pPr marL="228600" indent="-228600" algn="l" defTabSz="914400" rtl="0" eaLnBrk="1" latinLnBrk="0" hangingPunct="1">
+              <a:lnSpc>
+                <a:spcPct val="90000"/>
+              </a:lnSpc>
+              <a:spcBef>
+                <a:spcPts val="1000"/>
+              </a:spcBef>
+              <a:buFont typeface="Arial" panose="020B0604020202020204" pitchFamily="34" charset="0"/>
+              <a:buChar char="•"/>
+              <a:defRPr sz="2800" kern="1200">
+                <a:solidFill>
+                  <a:schemeClr val="tx1"/>
+                </a:solidFill>
+                <a:latin typeface="+mn-lt"/>
+                <a:ea typeface="+mn-ea"/>
+                <a:cs typeface="+mn-cs"/>
+              </a:defRPr>
+            </a:lvl1pPr>
+            <a:lvl2pPr marL="685800" indent="-228600" algn="l" defTabSz="914400" rtl="0" eaLnBrk="1" latinLnBrk="0" hangingPunct="1">
+              <a:lnSpc>
+                <a:spcPct val="90000"/>
+              </a:lnSpc>
+              <a:spcBef>
+                <a:spcPts val="500"/>
+              </a:spcBef>
+              <a:buFont typeface="Arial" panose="020B0604020202020204" pitchFamily="34" charset="0"/>
+              <a:buChar char="•"/>
+              <a:defRPr sz="2400" kern="1200">
+                <a:solidFill>
+                  <a:schemeClr val="tx1"/>
+                </a:solidFill>
+                <a:latin typeface="+mn-lt"/>
+                <a:ea typeface="+mn-ea"/>
+                <a:cs typeface="+mn-cs"/>
+              </a:defRPr>
+            </a:lvl2pPr>
+            <a:lvl3pPr marL="1143000" indent="-228600" algn="l" defTabSz="914400" rtl="0" eaLnBrk="1" latinLnBrk="0" hangingPunct="1">
+              <a:lnSpc>
+                <a:spcPct val="90000"/>
+              </a:lnSpc>
+              <a:spcBef>
+                <a:spcPts val="500"/>
+              </a:spcBef>
+              <a:buFont typeface="Arial" panose="020B0604020202020204" pitchFamily="34" charset="0"/>
+              <a:buChar char="•"/>
+              <a:defRPr sz="2000" kern="1200">
+                <a:solidFill>
+                  <a:schemeClr val="tx1"/>
+                </a:solidFill>
+                <a:latin typeface="+mn-lt"/>
+                <a:ea typeface="+mn-ea"/>
+                <a:cs typeface="+mn-cs"/>
+              </a:defRPr>
+            </a:lvl3pPr>
+            <a:lvl4pPr marL="1600200" indent="-228600" algn="l" defTabSz="914400" rtl="0" eaLnBrk="1" latinLnBrk="0" hangingPunct="1">
+              <a:lnSpc>
+                <a:spcPct val="90000"/>
+              </a:lnSpc>
+              <a:spcBef>
+                <a:spcPts val="500"/>
+              </a:spcBef>
+              <a:buFont typeface="Arial" panose="020B0604020202020204" pitchFamily="34" charset="0"/>
+              <a:buChar char="•"/>
+              <a:defRPr sz="1800" kern="1200">
+                <a:solidFill>
+                  <a:schemeClr val="tx1"/>
+                </a:solidFill>
+                <a:latin typeface="+mn-lt"/>
+                <a:ea typeface="+mn-ea"/>
+                <a:cs typeface="+mn-cs"/>
+              </a:defRPr>
+            </a:lvl4pPr>
+            <a:lvl5pPr marL="2057400" indent="-228600" algn="l" defTabSz="914400" rtl="0" eaLnBrk="1" latinLnBrk="0" hangingPunct="1">
+              <a:lnSpc>
+                <a:spcPct val="90000"/>
+              </a:lnSpc>
+              <a:spcBef>
+                <a:spcPts val="500"/>
+              </a:spcBef>
+              <a:buFont typeface="Arial" panose="020B0604020202020204" pitchFamily="34" charset="0"/>
+              <a:buChar char="•"/>
+              <a:defRPr sz="1800" kern="1200">
+                <a:solidFill>
+                  <a:schemeClr val="tx1"/>
+                </a:solidFill>
+                <a:latin typeface="+mn-lt"/>
+                <a:ea typeface="+mn-ea"/>
+                <a:cs typeface="+mn-cs"/>
+              </a:defRPr>
+            </a:lvl5pPr>
+            <a:lvl6pPr marL="2514600" indent="-228600" algn="l" defTabSz="914400" rtl="0" eaLnBrk="1" latinLnBrk="0" hangingPunct="1">
+              <a:lnSpc>
+                <a:spcPct val="90000"/>
+              </a:lnSpc>
+              <a:spcBef>
+                <a:spcPts val="500"/>
+              </a:spcBef>
+              <a:buFont typeface="Arial" panose="020B0604020202020204" pitchFamily="34" charset="0"/>
+              <a:buChar char="•"/>
+              <a:defRPr sz="1800" kern="1200">
+                <a:solidFill>
+                  <a:schemeClr val="tx1"/>
+                </a:solidFill>
+                <a:latin typeface="+mn-lt"/>
+                <a:ea typeface="+mn-ea"/>
+                <a:cs typeface="+mn-cs"/>
+              </a:defRPr>
+            </a:lvl6pPr>
+            <a:lvl7pPr marL="2971800" indent="-228600" algn="l" defTabSz="914400" rtl="0" eaLnBrk="1" latinLnBrk="0" hangingPunct="1">
+              <a:lnSpc>
+                <a:spcPct val="90000"/>
+              </a:lnSpc>
+              <a:spcBef>
+                <a:spcPts val="500"/>
+              </a:spcBef>
+              <a:buFont typeface="Arial" panose="020B0604020202020204" pitchFamily="34" charset="0"/>
+              <a:buChar char="•"/>
+              <a:defRPr sz="1800" kern="1200">
+                <a:solidFill>
+                  <a:schemeClr val="tx1"/>
+                </a:solidFill>
+                <a:latin typeface="+mn-lt"/>
+                <a:ea typeface="+mn-ea"/>
+                <a:cs typeface="+mn-cs"/>
+              </a:defRPr>
+            </a:lvl7pPr>
+            <a:lvl8pPr marL="3429000" indent="-228600" algn="l" defTabSz="914400" rtl="0" eaLnBrk="1" latinLnBrk="0" hangingPunct="1">
+              <a:lnSpc>
+                <a:spcPct val="90000"/>
+              </a:lnSpc>
+              <a:spcBef>
+                <a:spcPts val="500"/>
+              </a:spcBef>
+              <a:buFont typeface="Arial" panose="020B0604020202020204" pitchFamily="34" charset="0"/>
+              <a:buChar char="•"/>
+              <a:defRPr sz="1800" kern="1200">
+                <a:solidFill>
+                  <a:schemeClr val="tx1"/>
+                </a:solidFill>
+                <a:latin typeface="+mn-lt"/>
+                <a:ea typeface="+mn-ea"/>
+                <a:cs typeface="+mn-cs"/>
+              </a:defRPr>
+            </a:lvl8pPr>
+            <a:lvl9pPr marL="3886200" indent="-228600" algn="l" defTabSz="914400" rtl="0" eaLnBrk="1" latinLnBrk="0" hangingPunct="1">
+              <a:lnSpc>
+                <a:spcPct val="90000"/>
+              </a:lnSpc>
+              <a:spcBef>
+                <a:spcPts val="500"/>
+              </a:spcBef>
+              <a:buFont typeface="Arial" panose="020B0604020202020204" pitchFamily="34" charset="0"/>
+              <a:buChar char="•"/>
+              <a:defRPr sz="1800" kern="1200">
+                <a:solidFill>
+                  <a:schemeClr val="tx1"/>
+                </a:solidFill>
+                <a:latin typeface="+mn-lt"/>
+                <a:ea typeface="+mn-ea"/>
+                <a:cs typeface="+mn-cs"/>
+              </a:defRPr>
+            </a:lvl9pPr>
+          </a:lstStyle>
+          <a:p>
+            <a:pPr marL="0" indent="0">
+              <a:lnSpc>
+                <a:spcPct val="150000"/>
+              </a:lnSpc>
+              <a:buNone/>
+            </a:pPr>
+            <a:r>
+              <a:rPr lang="es-ES" sz="1800" dirty="0">
+                <a:latin typeface="Avenir Book" panose="02000503020000020003" pitchFamily="2" charset="0"/>
+              </a:rPr>
+              <a:t>Es un sistema de gestión de dependencias basado en eventos para K8s, que permite disparar flujos de trabajo y otros procesos en respuesta a eventos</a:t>
+            </a:r>
+            <a:endParaRPr lang="es-ES" sz="2400" dirty="0">
+              <a:latin typeface="Avenir Book" panose="02000503020000020003" pitchFamily="2" charset="0"/>
+            </a:endParaRPr>
+          </a:p>
+        </p:txBody>
+      </p:sp>
+      <p:sp>
+        <p:nvSpPr>
+          <p:cNvPr id="25" name="CuadroTexto 24">
+            <a:extLst>
+              <a:ext uri="{FF2B5EF4-FFF2-40B4-BE49-F238E27FC236}">
+                <a16:creationId xmlns:a16="http://schemas.microsoft.com/office/drawing/2014/main" id="{2D11A59D-644F-C64E-6D52-962D81EB44EF}"/>
+              </a:ext>
+            </a:extLst>
+          </p:cNvPr>
+          <p:cNvSpPr txBox="1"/>
+          <p:nvPr/>
+        </p:nvSpPr>
+        <p:spPr>
+          <a:xfrm>
+            <a:off x="2411022" y="3654005"/>
+            <a:ext cx="2700208" cy="369332"/>
+          </a:xfrm>
+          <a:prstGeom prst="rect">
+            <a:avLst/>
+          </a:prstGeom>
+          <a:noFill/>
+        </p:spPr>
+        <p:txBody>
+          <a:bodyPr wrap="square">
+            <a:spAutoFit/>
+          </a:bodyPr>
+          <a:lstStyle/>
+          <a:p>
+            <a:r>
+              <a:rPr lang="es-ES" b="1" i="0" u="none" strike="noStrike" dirty="0">
+                <a:solidFill>
+                  <a:srgbClr val="28234A"/>
+                </a:solidFill>
+                <a:effectLst/>
+                <a:latin typeface="Nunito" pitchFamily="2" charset="77"/>
+              </a:rPr>
+              <a:t>Argo </a:t>
+            </a:r>
+            <a:r>
+              <a:rPr lang="es-ES" b="1" i="0" u="none" strike="noStrike" dirty="0" err="1">
+                <a:solidFill>
+                  <a:srgbClr val="28234A"/>
+                </a:solidFill>
+                <a:effectLst/>
+                <a:latin typeface="Nunito" pitchFamily="2" charset="77"/>
+              </a:rPr>
+              <a:t>Rollouts</a:t>
+            </a:r>
+            <a:endParaRPr lang="es-ES" b="1" i="0" u="none" strike="noStrike" dirty="0">
+              <a:solidFill>
+                <a:srgbClr val="28234A"/>
+              </a:solidFill>
+              <a:effectLst/>
+              <a:latin typeface="Nunito" pitchFamily="2" charset="77"/>
+            </a:endParaRPr>
+          </a:p>
+        </p:txBody>
+      </p:sp>
+      <p:sp>
+        <p:nvSpPr>
+          <p:cNvPr id="26" name="CuadroTexto 25">
+            <a:extLst>
+              <a:ext uri="{FF2B5EF4-FFF2-40B4-BE49-F238E27FC236}">
+                <a16:creationId xmlns:a16="http://schemas.microsoft.com/office/drawing/2014/main" id="{97FA5911-54B0-BF67-B0D0-2639788671B3}"/>
+              </a:ext>
+            </a:extLst>
+          </p:cNvPr>
+          <p:cNvSpPr txBox="1"/>
+          <p:nvPr/>
+        </p:nvSpPr>
+        <p:spPr>
+          <a:xfrm>
+            <a:off x="2411022" y="1310235"/>
+            <a:ext cx="2598629" cy="369332"/>
+          </a:xfrm>
+          <a:prstGeom prst="rect">
+            <a:avLst/>
+          </a:prstGeom>
+          <a:noFill/>
+        </p:spPr>
+        <p:txBody>
+          <a:bodyPr wrap="square">
+            <a:spAutoFit/>
+          </a:bodyPr>
+          <a:lstStyle/>
+          <a:p>
+            <a:r>
+              <a:rPr lang="es-ES" b="1" i="0" u="none" strike="noStrike" dirty="0">
+                <a:solidFill>
+                  <a:srgbClr val="28234A"/>
+                </a:solidFill>
+                <a:effectLst/>
+                <a:latin typeface="Nunito" pitchFamily="2" charset="77"/>
+              </a:rPr>
+              <a:t>Argo Workflows</a:t>
+            </a:r>
+          </a:p>
+        </p:txBody>
+      </p:sp>
+      <p:sp>
+        <p:nvSpPr>
+          <p:cNvPr id="27" name="CuadroTexto 26">
+            <a:extLst>
+              <a:ext uri="{FF2B5EF4-FFF2-40B4-BE49-F238E27FC236}">
+                <a16:creationId xmlns:a16="http://schemas.microsoft.com/office/drawing/2014/main" id="{120B5937-D586-4AC9-FE36-74B2947AE2C4}"/>
+              </a:ext>
+            </a:extLst>
+          </p:cNvPr>
+          <p:cNvSpPr txBox="1"/>
+          <p:nvPr/>
+        </p:nvSpPr>
+        <p:spPr>
+          <a:xfrm>
+            <a:off x="8358124" y="1310235"/>
+            <a:ext cx="2700208" cy="369332"/>
+          </a:xfrm>
+          <a:prstGeom prst="rect">
+            <a:avLst/>
+          </a:prstGeom>
+          <a:noFill/>
+        </p:spPr>
+        <p:txBody>
+          <a:bodyPr wrap="square">
+            <a:spAutoFit/>
+          </a:bodyPr>
+          <a:lstStyle/>
+          <a:p>
+            <a:r>
+              <a:rPr lang="es-ES" b="1" i="0" u="none" strike="noStrike" dirty="0">
+                <a:solidFill>
+                  <a:srgbClr val="28234A"/>
+                </a:solidFill>
+                <a:effectLst/>
+                <a:latin typeface="Nunito" pitchFamily="2" charset="77"/>
+              </a:rPr>
+              <a:t>Argo CD</a:t>
+            </a:r>
+          </a:p>
+        </p:txBody>
+      </p:sp>
+      <p:sp>
+        <p:nvSpPr>
+          <p:cNvPr id="28" name="CuadroTexto 27">
+            <a:extLst>
+              <a:ext uri="{FF2B5EF4-FFF2-40B4-BE49-F238E27FC236}">
+                <a16:creationId xmlns:a16="http://schemas.microsoft.com/office/drawing/2014/main" id="{CA40742F-46C3-E7C0-CED6-A5ECF82FBB83}"/>
+              </a:ext>
+            </a:extLst>
+          </p:cNvPr>
+          <p:cNvSpPr txBox="1"/>
+          <p:nvPr/>
+        </p:nvSpPr>
+        <p:spPr>
+          <a:xfrm>
+            <a:off x="8330382" y="3654005"/>
+            <a:ext cx="2700208" cy="369332"/>
+          </a:xfrm>
+          <a:prstGeom prst="rect">
+            <a:avLst/>
+          </a:prstGeom>
+          <a:noFill/>
+        </p:spPr>
+        <p:txBody>
+          <a:bodyPr wrap="square">
+            <a:spAutoFit/>
+          </a:bodyPr>
+          <a:lstStyle/>
+          <a:p>
+            <a:r>
+              <a:rPr lang="es-ES" b="1" i="0" u="none" strike="noStrike" dirty="0">
+                <a:solidFill>
+                  <a:srgbClr val="28234A"/>
+                </a:solidFill>
+                <a:effectLst/>
+                <a:latin typeface="Nunito" pitchFamily="2" charset="77"/>
+              </a:rPr>
+              <a:t>Argo </a:t>
+            </a:r>
+            <a:r>
+              <a:rPr lang="es-ES" b="1" i="0" u="none" strike="noStrike" dirty="0" err="1">
+                <a:solidFill>
+                  <a:srgbClr val="28234A"/>
+                </a:solidFill>
+                <a:effectLst/>
+                <a:latin typeface="Nunito" pitchFamily="2" charset="77"/>
+              </a:rPr>
+              <a:t>Events</a:t>
+            </a:r>
+            <a:endParaRPr lang="es-ES" b="1" i="0" u="none" strike="noStrike" dirty="0">
+              <a:solidFill>
+                <a:srgbClr val="28234A"/>
+              </a:solidFill>
+              <a:effectLst/>
+              <a:latin typeface="Nunito" pitchFamily="2" charset="77"/>
+            </a:endParaRPr>
+          </a:p>
+        </p:txBody>
+      </p:sp>
+    </p:spTree>
+    <p:extLst>
+      <p:ext uri="{BB962C8B-B14F-4D97-AF65-F5344CB8AC3E}">
+        <p14:creationId xmlns:p14="http://schemas.microsoft.com/office/powerpoint/2010/main" val="218294269"/>
+      </p:ext>
+    </p:extLst>
+  </p:cSld>
+  <p:clrMapOvr>
+    <a:masterClrMapping/>
+  </p:clrMapOvr>
+  <mc:AlternateContent xmlns:mc="http://schemas.openxmlformats.org/markup-compatibility/2006">
+    <mc:Choice xmlns:p159="http://schemas.microsoft.com/office/powerpoint/2015/09/main" Requires="p159">
+      <p:transition xmlns:p14="http://schemas.microsoft.com/office/powerpoint/2010/main" spd="slow" p14:dur="2000">
+        <p159:morph option="byObject"/>
+      </p:transition>
+    </mc:Choice>
+    <mc:Fallback>
+      <p:transition spd="slow">
+        <p:fade/>
+      </p:transition>
+    </mc:Fallback>
+  </mc:AlternateContent>
+  <p:timing>
+    <p:tnLst>
+      <p:par>
+        <p:cTn id="1" dur="indefinite" restart="never" nodeType="tmRoot">
+          <p:childTnLst>
+            <p:seq concurrent="1" nextAc="seek">
+              <p:cTn id="2" dur="indefinite" nodeType="mainSeq">
+                <p:childTnLst>
+                  <p:par>
+                    <p:cTn id="3" fill="hold">
+                      <p:stCondLst>
+                        <p:cond delay="indefinite"/>
+                      </p:stCondLst>
+                      <p:childTnLst>
+                        <p:par>
+                          <p:cTn id="4" fill="hold">
+                            <p:stCondLst>
+                              <p:cond delay="0"/>
+                            </p:stCondLst>
+                            <p:childTnLst>
+                              <p:par>
+                                <p:cTn id="5" presetID="6" presetClass="emph" presetSubtype="0" fill="hold" nodeType="clickEffect">
+                                  <p:stCondLst>
+                                    <p:cond delay="0"/>
+                                  </p:stCondLst>
+                                  <p:childTnLst>
+                                    <p:animScale>
+                                      <p:cBhvr>
+                                        <p:cTn id="6" dur="1000" fill="hold"/>
+                                        <p:tgtEl>
+                                          <p:spTgt spid="16"/>
+                                        </p:tgtEl>
+                                      </p:cBhvr>
+                                      <p:by x="125000" y="125000"/>
+                                    </p:animScale>
+                                  </p:childTnLst>
+                                </p:cTn>
+                              </p:par>
+                            </p:childTnLst>
+                          </p:cTn>
+                        </p:par>
+                      </p:childTnLst>
+                    </p:cTn>
+                  </p:par>
+                  <p:par>
+                    <p:cTn id="7" fill="hold">
+                      <p:stCondLst>
+                        <p:cond delay="indefinite"/>
+                      </p:stCondLst>
+                      <p:childTnLst>
+                        <p:par>
+                          <p:cTn id="8" fill="hold">
+                            <p:stCondLst>
+                              <p:cond delay="0"/>
+                            </p:stCondLst>
+                            <p:childTnLst>
+                              <p:par>
+                                <p:cTn id="9" presetID="6" presetClass="emph" presetSubtype="0" fill="hold" nodeType="clickEffect">
+                                  <p:stCondLst>
+                                    <p:cond delay="0"/>
+                                  </p:stCondLst>
+                                  <p:childTnLst>
+                                    <p:animScale>
+                                      <p:cBhvr>
+                                        <p:cTn id="10" dur="2000" fill="hold"/>
+                                        <p:tgtEl>
+                                          <p:spTgt spid="16"/>
+                                        </p:tgtEl>
+                                      </p:cBhvr>
+                                      <p:by x="50000" y="50000"/>
+                                    </p:animScale>
+                                  </p:childTnLst>
+                                </p:cTn>
+                              </p:par>
+                              <p:par>
+                                <p:cTn id="11" presetID="6" presetClass="emph" presetSubtype="0" fill="hold" nodeType="withEffect">
+                                  <p:stCondLst>
+                                    <p:cond delay="0"/>
+                                  </p:stCondLst>
+                                  <p:childTnLst>
+                                    <p:animScale>
+                                      <p:cBhvr>
+                                        <p:cTn id="12" dur="2000" fill="hold"/>
+                                        <p:tgtEl>
+                                          <p:spTgt spid="14"/>
+                                        </p:tgtEl>
+                                      </p:cBhvr>
+                                      <p:by x="125000" y="125000"/>
+                                    </p:animScale>
+                                  </p:childTnLst>
+                                </p:cTn>
+                              </p:par>
+                            </p:childTnLst>
+                          </p:cTn>
+                        </p:par>
+                      </p:childTnLst>
+                    </p:cTn>
+                  </p:par>
+                  <p:par>
+                    <p:cTn id="13" fill="hold">
+                      <p:stCondLst>
+                        <p:cond delay="indefinite"/>
+                      </p:stCondLst>
+                      <p:childTnLst>
+                        <p:par>
+                          <p:cTn id="14" fill="hold">
+                            <p:stCondLst>
+                              <p:cond delay="0"/>
+                            </p:stCondLst>
+                            <p:childTnLst>
+                              <p:par>
+                                <p:cTn id="15" presetID="6" presetClass="emph" presetSubtype="0" fill="hold" nodeType="clickEffect">
+                                  <p:stCondLst>
+                                    <p:cond delay="0"/>
+                                  </p:stCondLst>
+                                  <p:childTnLst>
+                                    <p:animScale>
+                                      <p:cBhvr>
+                                        <p:cTn id="16" dur="2000" fill="hold"/>
+                                        <p:tgtEl>
+                                          <p:spTgt spid="14"/>
+                                        </p:tgtEl>
+                                      </p:cBhvr>
+                                      <p:by x="50000" y="50000"/>
+                                    </p:animScale>
+                                  </p:childTnLst>
+                                </p:cTn>
+                              </p:par>
+                              <p:par>
+                                <p:cTn id="17" presetID="6" presetClass="emph" presetSubtype="0" fill="hold" nodeType="withEffect">
+                                  <p:stCondLst>
+                                    <p:cond delay="0"/>
+                                  </p:stCondLst>
+                                  <p:childTnLst>
+                                    <p:animScale>
+                                      <p:cBhvr>
+                                        <p:cTn id="18" dur="2000" fill="hold"/>
+                                        <p:tgtEl>
+                                          <p:spTgt spid="12"/>
+                                        </p:tgtEl>
+                                      </p:cBhvr>
+                                      <p:by x="150000" y="150000"/>
+                                    </p:animScale>
+                                  </p:childTnLst>
+                                </p:cTn>
+                              </p:par>
+                            </p:childTnLst>
+                          </p:cTn>
+                        </p:par>
+                      </p:childTnLst>
+                    </p:cTn>
+                  </p:par>
+                  <p:par>
+                    <p:cTn id="19" fill="hold">
+                      <p:stCondLst>
+                        <p:cond delay="indefinite"/>
+                      </p:stCondLst>
+                      <p:childTnLst>
+                        <p:par>
+                          <p:cTn id="20" fill="hold">
+                            <p:stCondLst>
+                              <p:cond delay="0"/>
+                            </p:stCondLst>
+                            <p:childTnLst>
+                              <p:par>
+                                <p:cTn id="21" presetID="6" presetClass="emph" presetSubtype="0" fill="hold" nodeType="clickEffect">
+                                  <p:stCondLst>
+                                    <p:cond delay="0"/>
+                                  </p:stCondLst>
+                                  <p:childTnLst>
+                                    <p:animScale>
+                                      <p:cBhvr>
+                                        <p:cTn id="22" dur="2000" fill="hold"/>
+                                        <p:tgtEl>
+                                          <p:spTgt spid="12"/>
+                                        </p:tgtEl>
+                                      </p:cBhvr>
+                                      <p:by x="50000" y="50000"/>
+                                    </p:animScale>
+                                  </p:childTnLst>
+                                </p:cTn>
+                              </p:par>
+                              <p:par>
+                                <p:cTn id="23" presetID="6" presetClass="emph" presetSubtype="0" fill="hold" nodeType="withEffect">
+                                  <p:stCondLst>
+                                    <p:cond delay="0"/>
+                                  </p:stCondLst>
+                                  <p:childTnLst>
+                                    <p:animScale>
+                                      <p:cBhvr>
+                                        <p:cTn id="24" dur="2000" fill="hold"/>
+                                        <p:tgtEl>
+                                          <p:spTgt spid="7"/>
+                                        </p:tgtEl>
+                                      </p:cBhvr>
+                                      <p:by x="125000" y="125000"/>
+                                    </p:animScale>
+                                  </p:childTnLst>
+                                </p:cTn>
+                              </p:par>
+                            </p:childTnLst>
+                          </p:cTn>
+                        </p:par>
+                      </p:childTnLst>
+                    </p:cTn>
+                  </p:par>
+                </p:childTnLst>
+              </p:cTn>
+              <p:prevCondLst>
+                <p:cond evt="onPrev" delay="0">
+                  <p:tgtEl>
+                    <p:sldTgt/>
+                  </p:tgtEl>
+                </p:cond>
+              </p:prevCondLst>
+              <p:nextCondLst>
+                <p:cond evt="onNext" delay="0">
+                  <p:tgtEl>
+                    <p:sldTgt/>
+                  </p:tgtEl>
+                </p:cond>
+              </p:nextCondLst>
+            </p:seq>
+          </p:childTnLst>
+        </p:cTn>
+      </p:par>
+    </p:tnLst>
+  </p:timing>
+</p:sld>
+</file>
+
+<file path=ppt/slides/slide5.xml><?xml version="1.0" encoding="utf-8"?>
+<p:sld xmlns:a="http://schemas.openxmlformats.org/drawingml/2006/main" xmlns:r="http://schemas.openxmlformats.org/officeDocument/2006/relationships" xmlns:p="http://schemas.openxmlformats.org/presentationml/2006/main">
+  <p:cSld>
+    <p:bg>
+      <p:bgPr>
+        <a:solidFill>
+          <a:schemeClr val="bg1"/>
+        </a:solidFill>
+        <a:effectLst/>
+      </p:bgPr>
+    </p:bg>
+    <p:spTree>
+      <p:nvGrpSpPr>
+        <p:cNvPr id="1" name=""/>
+        <p:cNvGrpSpPr/>
+        <p:nvPr/>
+      </p:nvGrpSpPr>
+      <p:grpSpPr>
+        <a:xfrm>
+          <a:off x="0" y="0"/>
+          <a:ext cx="0" cy="0"/>
+          <a:chOff x="0" y="0"/>
+          <a:chExt cx="0" cy="0"/>
+        </a:xfrm>
+      </p:grpSpPr>
+      <p:sp>
+        <p:nvSpPr>
+          <p:cNvPr id="2" name="Título 1">
+            <a:extLst>
+              <a:ext uri="{FF2B5EF4-FFF2-40B4-BE49-F238E27FC236}">
+                <a16:creationId xmlns:a16="http://schemas.microsoft.com/office/drawing/2014/main" id="{7C935952-E4A2-D0BD-EADC-4069FA41AD17}"/>
+              </a:ext>
+            </a:extLst>
+          </p:cNvPr>
+          <p:cNvSpPr>
+            <a:spLocks noGrp="1"/>
+          </p:cNvSpPr>
+          <p:nvPr>
+            <p:ph type="title"/>
+          </p:nvPr>
+        </p:nvSpPr>
+        <p:spPr>
+          <a:xfrm>
+            <a:off x="702704" y="243284"/>
+            <a:ext cx="7222096" cy="618046"/>
+          </a:xfrm>
+        </p:spPr>
+        <p:txBody>
+          <a:bodyPr anchor="b">
+            <a:normAutofit/>
+          </a:bodyPr>
+          <a:lstStyle/>
+          <a:p>
+            <a:r>
+              <a:rPr lang="es-ES" sz="3600" dirty="0">
+                <a:latin typeface="Avenir Book" panose="02000503020000020003" pitchFamily="2" charset="0"/>
+              </a:rPr>
+              <a:t>Introducción a Argo Workflows</a:t>
+            </a:r>
+          </a:p>
+        </p:txBody>
+      </p:sp>
       <p:sp>
         <p:nvSpPr>
           <p:cNvPr id="3" name="Marcador de contenido 2">
@@ -9409,25 +11680,17 @@
               <a:t>Definición de Argo Workflows: </a:t>
             </a:r>
             <a:r>
+              <a:rPr lang="es-ES" sz="2400" dirty="0">
+                <a:latin typeface="Avenir Book" panose="02000503020000020003" pitchFamily="2" charset="0"/>
+              </a:rPr>
+              <a:t>E</a:t>
+            </a:r>
+            <a:r>
               <a:rPr lang="es-ES" sz="2400" i="0" u="none" strike="noStrike" dirty="0">
                 <a:effectLst/>
                 <a:latin typeface="Avenir Book" panose="02000503020000020003" pitchFamily="2" charset="0"/>
               </a:rPr>
-              <a:t>Motor de flujo de trabajo para Kubernetes que facilita la automatización de tareas secuenciales y </a:t>
-            </a:r>
-            <a:r>
-              <a:rPr lang="es-ES" sz="2400" i="0" u="none" strike="noStrike" dirty="0" err="1">
-                <a:effectLst/>
-                <a:latin typeface="Avenir Book" panose="02000503020000020003" pitchFamily="2" charset="0"/>
-              </a:rPr>
-              <a:t>paralelizables</a:t>
-            </a:r>
-            <a:r>
-              <a:rPr lang="es-ES" sz="2400" i="0" u="none" strike="noStrike" dirty="0">
-                <a:effectLst/>
-                <a:latin typeface="Avenir Book" panose="02000503020000020003" pitchFamily="2" charset="0"/>
-              </a:rPr>
-              <a:t>.</a:t>
+              <a:t>s un motor de flujo de trabajo para Kubernetes que simplifica la automatización de tareas tanto secuenciales como paralelas.</a:t>
             </a:r>
           </a:p>
           <a:p>
@@ -9674,6 +11937,36 @@
           </a:prstGeom>
         </p:spPr>
       </p:pic>
+      <p:pic>
+        <p:nvPicPr>
+          <p:cNvPr id="4" name="Imagen 3">
+            <a:extLst>
+              <a:ext uri="{FF2B5EF4-FFF2-40B4-BE49-F238E27FC236}">
+                <a16:creationId xmlns:a16="http://schemas.microsoft.com/office/drawing/2014/main" id="{20E49D87-8FCD-A47D-759F-56F0A1A70A0C}"/>
+              </a:ext>
+            </a:extLst>
+          </p:cNvPr>
+          <p:cNvPicPr>
+            <a:picLocks noChangeAspect="1"/>
+          </p:cNvPicPr>
+          <p:nvPr/>
+        </p:nvPicPr>
+        <p:blipFill>
+          <a:blip r:embed="rId4"/>
+          <a:stretch>
+            <a:fillRect/>
+          </a:stretch>
+        </p:blipFill>
+        <p:spPr>
+          <a:xfrm>
+            <a:off x="6808732" y="1010519"/>
+            <a:ext cx="3754421" cy="3754421"/>
+          </a:xfrm>
+          <a:prstGeom prst="rect">
+            <a:avLst/>
+          </a:prstGeom>
+        </p:spPr>
+      </p:pic>
     </p:spTree>
     <p:extLst>
       <p:ext uri="{BB962C8B-B14F-4D97-AF65-F5344CB8AC3E}">
@@ -9684,378 +11977,18 @@
   <p:clrMapOvr>
     <a:masterClrMapping/>
   </p:clrMapOvr>
-</p:sld>
-</file>
-
-<file path=ppt/slides/slide5.xml><?xml version="1.0" encoding="utf-8"?>
-<p:sld xmlns:a="http://schemas.openxmlformats.org/drawingml/2006/main" xmlns:r="http://schemas.openxmlformats.org/officeDocument/2006/relationships" xmlns:p="http://schemas.openxmlformats.org/presentationml/2006/main">
-  <p:cSld>
-    <p:spTree>
-      <p:nvGrpSpPr>
-        <p:cNvPr id="1" name=""/>
-        <p:cNvGrpSpPr/>
-        <p:nvPr/>
-      </p:nvGrpSpPr>
-      <p:grpSpPr>
-        <a:xfrm>
-          <a:off x="0" y="0"/>
-          <a:ext cx="0" cy="0"/>
-          <a:chOff x="0" y="0"/>
-          <a:chExt cx="0" cy="0"/>
-        </a:xfrm>
-      </p:grpSpPr>
-      <p:sp>
-        <p:nvSpPr>
-          <p:cNvPr id="2" name="Título 1">
-            <a:extLst>
-              <a:ext uri="{FF2B5EF4-FFF2-40B4-BE49-F238E27FC236}">
-                <a16:creationId xmlns:a16="http://schemas.microsoft.com/office/drawing/2014/main" id="{7C935952-E4A2-D0BD-EADC-4069FA41AD17}"/>
-              </a:ext>
-            </a:extLst>
-          </p:cNvPr>
-          <p:cNvSpPr>
-            <a:spLocks noGrp="1"/>
-          </p:cNvSpPr>
-          <p:nvPr>
-            <p:ph type="title"/>
-          </p:nvPr>
-        </p:nvSpPr>
-        <p:spPr>
-          <a:xfrm>
-            <a:off x="702704" y="243284"/>
-            <a:ext cx="7222096" cy="618046"/>
-          </a:xfrm>
-        </p:spPr>
-        <p:txBody>
-          <a:bodyPr anchor="b">
-            <a:normAutofit/>
-          </a:bodyPr>
-          <a:lstStyle/>
-          <a:p>
-            <a:r>
-              <a:rPr lang="es-ES" sz="3600" dirty="0">
-                <a:latin typeface="Avenir Book" panose="02000503020000020003" pitchFamily="2" charset="0"/>
-              </a:rPr>
-              <a:t>Introducción a Argo Workflows</a:t>
-            </a:r>
-          </a:p>
-        </p:txBody>
-      </p:sp>
-      <p:sp>
-        <p:nvSpPr>
-          <p:cNvPr id="3" name="Marcador de contenido 2">
-            <a:extLst>
-              <a:ext uri="{FF2B5EF4-FFF2-40B4-BE49-F238E27FC236}">
-                <a16:creationId xmlns:a16="http://schemas.microsoft.com/office/drawing/2014/main" id="{550C3581-7930-DF7B-26DD-1BBA910B4CC9}"/>
-              </a:ext>
-            </a:extLst>
-          </p:cNvPr>
-          <p:cNvSpPr>
-            <a:spLocks noGrp="1"/>
-          </p:cNvSpPr>
-          <p:nvPr>
-            <p:ph idx="1"/>
-          </p:nvPr>
-        </p:nvSpPr>
-        <p:spPr>
-          <a:xfrm>
-            <a:off x="609600" y="1360479"/>
-            <a:ext cx="4843244" cy="4636191"/>
-          </a:xfrm>
-        </p:spPr>
-        <p:txBody>
-          <a:bodyPr>
-            <a:normAutofit/>
-          </a:bodyPr>
-          <a:lstStyle/>
-          <a:p>
-            <a:pPr algn="l">
-              <a:buFont typeface="Arial" panose="020B0604020202020204" pitchFamily="34" charset="0"/>
-              <a:buChar char="•"/>
-            </a:pPr>
-            <a:r>
-              <a:rPr lang="es-ES" sz="2400" b="1" i="0" u="none" strike="noStrike" dirty="0">
-                <a:effectLst/>
-                <a:latin typeface="Avenir Book" panose="02000503020000020003" pitchFamily="2" charset="0"/>
-              </a:rPr>
-              <a:t>Definición de Argo Workflows: </a:t>
-            </a:r>
-            <a:r>
-              <a:rPr lang="es-ES" sz="2400" i="0" u="none" strike="noStrike" dirty="0">
-                <a:effectLst/>
-                <a:latin typeface="Avenir Book" panose="02000503020000020003" pitchFamily="2" charset="0"/>
-              </a:rPr>
-              <a:t>Motor de flujo de trabajo para Kubernetes que facilita la automatización de tareas secuenciales y </a:t>
-            </a:r>
-            <a:r>
-              <a:rPr lang="es-ES" sz="2400" i="0" u="none" strike="noStrike" dirty="0" err="1">
-                <a:effectLst/>
-                <a:latin typeface="Avenir Book" panose="02000503020000020003" pitchFamily="2" charset="0"/>
-              </a:rPr>
-              <a:t>paralelizables</a:t>
-            </a:r>
-            <a:r>
-              <a:rPr lang="es-ES" sz="2400" i="0" u="none" strike="noStrike" dirty="0">
-                <a:effectLst/>
-                <a:latin typeface="Avenir Book" panose="02000503020000020003" pitchFamily="2" charset="0"/>
-              </a:rPr>
-              <a:t>.</a:t>
-            </a:r>
-          </a:p>
-          <a:p>
-            <a:pPr algn="l">
-              <a:buFont typeface="Arial" panose="020B0604020202020204" pitchFamily="34" charset="0"/>
-              <a:buChar char="•"/>
-            </a:pPr>
-            <a:endParaRPr lang="es-ES" sz="2400" i="0" u="none" strike="noStrike" dirty="0">
-              <a:effectLst/>
-              <a:latin typeface="Avenir Book" panose="02000503020000020003" pitchFamily="2" charset="0"/>
-            </a:endParaRPr>
-          </a:p>
-          <a:p>
-            <a:pPr algn="l">
-              <a:buFont typeface="Arial" panose="020B0604020202020204" pitchFamily="34" charset="0"/>
-              <a:buChar char="•"/>
-            </a:pPr>
-            <a:r>
-              <a:rPr lang="es-ES" sz="2400" b="1" i="0" u="none" strike="noStrike" dirty="0">
-                <a:effectLst/>
-                <a:latin typeface="Avenir Book" panose="02000503020000020003" pitchFamily="2" charset="0"/>
-              </a:rPr>
-              <a:t>Ventajas: </a:t>
-            </a:r>
-            <a:r>
-              <a:rPr lang="es-ES" sz="2400" i="0" u="none" strike="noStrike" dirty="0">
-                <a:effectLst/>
-                <a:latin typeface="Avenir Book" panose="02000503020000020003" pitchFamily="2" charset="0"/>
-              </a:rPr>
-              <a:t>Optimiza los recursos y reduce tiempos de ejecución en procesos complejos.</a:t>
-            </a:r>
-          </a:p>
-        </p:txBody>
-      </p:sp>
-      <p:cxnSp>
-        <p:nvCxnSpPr>
-          <p:cNvPr id="4" name="Conector recto 3">
-            <a:extLst>
-              <a:ext uri="{FF2B5EF4-FFF2-40B4-BE49-F238E27FC236}">
-                <a16:creationId xmlns:a16="http://schemas.microsoft.com/office/drawing/2014/main" id="{56331863-6E24-80D5-46FB-34EE24A6C2F7}"/>
-              </a:ext>
-            </a:extLst>
-          </p:cNvPr>
-          <p:cNvCxnSpPr>
-            <a:cxnSpLocks/>
-          </p:cNvCxnSpPr>
-          <p:nvPr/>
-        </p:nvCxnSpPr>
-        <p:spPr>
-          <a:xfrm>
-            <a:off x="702704" y="861330"/>
-            <a:ext cx="10706324" cy="0"/>
-          </a:xfrm>
-          <a:prstGeom prst="line">
-            <a:avLst/>
-          </a:prstGeom>
-          <a:ln w="12700"/>
-        </p:spPr>
-        <p:style>
-          <a:lnRef idx="1">
-            <a:schemeClr val="accent6"/>
-          </a:lnRef>
-          <a:fillRef idx="0">
-            <a:schemeClr val="accent6"/>
-          </a:fillRef>
-          <a:effectRef idx="0">
-            <a:schemeClr val="accent6"/>
-          </a:effectRef>
-          <a:fontRef idx="minor">
-            <a:schemeClr val="tx1"/>
-          </a:fontRef>
-        </p:style>
-      </p:cxnSp>
-      <p:pic>
-        <p:nvPicPr>
-          <p:cNvPr id="6" name="Imagen 5" descr="Una caricatura de una persona&#10;&#10;Descripción generada automáticamente con confianza media">
-            <a:extLst>
-              <a:ext uri="{FF2B5EF4-FFF2-40B4-BE49-F238E27FC236}">
-                <a16:creationId xmlns:a16="http://schemas.microsoft.com/office/drawing/2014/main" id="{731C5DEE-6549-31BA-FEBB-5DDC5DE32435}"/>
-              </a:ext>
-            </a:extLst>
-          </p:cNvPr>
-          <p:cNvPicPr>
-            <a:picLocks noChangeAspect="1"/>
-          </p:cNvPicPr>
-          <p:nvPr/>
-        </p:nvPicPr>
-        <p:blipFill rotWithShape="1">
-          <a:blip r:embed="rId2">
-            <a:alphaModFix amt="35000"/>
-          </a:blip>
-          <a:srcRect l="28358" r="33442"/>
-          <a:stretch/>
-        </p:blipFill>
-        <p:spPr>
-          <a:xfrm>
-            <a:off x="10493579" y="5558985"/>
-            <a:ext cx="823170" cy="1212127"/>
-          </a:xfrm>
-          <a:custGeom>
-            <a:avLst/>
-            <a:gdLst/>
-            <a:ahLst/>
-            <a:cxnLst/>
-            <a:rect l="l" t="t" r="r" b="b"/>
-            <a:pathLst>
-              <a:path w="4657344" h="6858000">
-                <a:moveTo>
-                  <a:pt x="0" y="0"/>
-                </a:moveTo>
-                <a:lnTo>
-                  <a:pt x="3429755" y="0"/>
-                </a:lnTo>
-                <a:lnTo>
-                  <a:pt x="3526016" y="148742"/>
-                </a:lnTo>
-                <a:cubicBezTo>
-                  <a:pt x="3657740" y="365513"/>
-                  <a:pt x="3777402" y="589569"/>
-                  <a:pt x="3886489" y="819975"/>
-                </a:cubicBezTo>
-                <a:cubicBezTo>
-                  <a:pt x="3891856" y="833492"/>
-                  <a:pt x="3900663" y="845393"/>
-                  <a:pt x="3912049" y="854514"/>
-                </a:cubicBezTo>
-                <a:cubicBezTo>
-                  <a:pt x="3897352" y="819849"/>
-                  <a:pt x="3883037" y="784928"/>
-                  <a:pt x="3868083" y="750263"/>
-                </a:cubicBezTo>
-                <a:cubicBezTo>
-                  <a:pt x="3806989" y="608712"/>
-                  <a:pt x="3742478" y="469145"/>
-                  <a:pt x="3674155" y="331786"/>
-                </a:cubicBezTo>
-                <a:lnTo>
-                  <a:pt x="3496656" y="0"/>
-                </a:lnTo>
-                <a:lnTo>
-                  <a:pt x="3554371" y="0"/>
-                </a:lnTo>
-                <a:lnTo>
-                  <a:pt x="3661621" y="196614"/>
-                </a:lnTo>
-                <a:cubicBezTo>
-                  <a:pt x="3856899" y="573253"/>
-                  <a:pt x="4021071" y="966066"/>
-                  <a:pt x="4161279" y="1371196"/>
-                </a:cubicBezTo>
-                <a:cubicBezTo>
-                  <a:pt x="4379525" y="2007265"/>
-                  <a:pt x="4530141" y="2664286"/>
-                  <a:pt x="4610660" y="3331516"/>
-                </a:cubicBezTo>
-                <a:cubicBezTo>
-                  <a:pt x="4652837" y="3672965"/>
-                  <a:pt x="4671625" y="4013908"/>
-                  <a:pt x="4645040" y="4357388"/>
-                </a:cubicBezTo>
-                <a:cubicBezTo>
-                  <a:pt x="4613599" y="4758899"/>
-                  <a:pt x="4566181" y="5157998"/>
-                  <a:pt x="4485789" y="5552906"/>
-                </a:cubicBezTo>
-                <a:cubicBezTo>
-                  <a:pt x="4397121" y="5988893"/>
-                  <a:pt x="4276748" y="6414594"/>
-                  <a:pt x="4117769" y="6828295"/>
-                </a:cubicBezTo>
-                <a:lnTo>
-                  <a:pt x="4105288" y="6858000"/>
-                </a:lnTo>
-                <a:lnTo>
-                  <a:pt x="4052520" y="6858000"/>
-                </a:lnTo>
-                <a:lnTo>
-                  <a:pt x="4059369" y="6841549"/>
-                </a:lnTo>
-                <a:cubicBezTo>
-                  <a:pt x="4147276" y="6614016"/>
-                  <a:pt x="4224193" y="6380817"/>
-                  <a:pt x="4291518" y="6142729"/>
-                </a:cubicBezTo>
-                <a:cubicBezTo>
-                  <a:pt x="4350055" y="5935370"/>
-                  <a:pt x="4393256" y="5723695"/>
-                  <a:pt x="4443357" y="5513923"/>
-                </a:cubicBezTo>
-                <a:cubicBezTo>
-                  <a:pt x="4444541" y="5502788"/>
-                  <a:pt x="4445137" y="5491601"/>
-                  <a:pt x="4445146" y="5480401"/>
-                </a:cubicBezTo>
-                <a:cubicBezTo>
-                  <a:pt x="4408465" y="5607635"/>
-                  <a:pt x="4379196" y="5719759"/>
-                  <a:pt x="4344559" y="5830359"/>
-                </a:cubicBezTo>
-                <a:cubicBezTo>
-                  <a:pt x="4254261" y="6118381"/>
-                  <a:pt x="4150112" y="6398531"/>
-                  <a:pt x="4031702" y="6670527"/>
-                </a:cubicBezTo>
-                <a:lnTo>
-                  <a:pt x="3943824" y="6858000"/>
-                </a:lnTo>
-                <a:lnTo>
-                  <a:pt x="0" y="6858000"/>
-                </a:lnTo>
-                <a:close/>
-              </a:path>
-            </a:pathLst>
-          </a:custGeom>
-        </p:spPr>
-      </p:pic>
-      <p:pic>
-        <p:nvPicPr>
-          <p:cNvPr id="7" name="Imagen 6" descr="Texto, Pizarra&#10;&#10;Descripción generada automáticamente">
-            <a:extLst>
-              <a:ext uri="{FF2B5EF4-FFF2-40B4-BE49-F238E27FC236}">
-                <a16:creationId xmlns:a16="http://schemas.microsoft.com/office/drawing/2014/main" id="{06CB590E-1C8B-0F0D-B6C1-69CD6A6CFD92}"/>
-              </a:ext>
-            </a:extLst>
-          </p:cNvPr>
-          <p:cNvPicPr>
-            <a:picLocks noChangeAspect="1"/>
-          </p:cNvPicPr>
-          <p:nvPr/>
-        </p:nvPicPr>
-        <p:blipFill>
-          <a:blip r:embed="rId3"/>
-          <a:stretch>
-            <a:fillRect/>
-          </a:stretch>
-        </p:blipFill>
-        <p:spPr>
-          <a:xfrm>
-            <a:off x="9647799" y="210827"/>
-            <a:ext cx="1841497" cy="650503"/>
-          </a:xfrm>
-          <a:prstGeom prst="rect">
-            <a:avLst/>
-          </a:prstGeom>
-        </p:spPr>
-      </p:pic>
-    </p:spTree>
-    <p:extLst>
-      <p:ext uri="{BB962C8B-B14F-4D97-AF65-F5344CB8AC3E}">
-        <p14:creationId xmlns:p14="http://schemas.microsoft.com/office/powerpoint/2010/main" val="3523832210"/>
-      </p:ext>
-    </p:extLst>
-  </p:cSld>
-  <p:clrMapOvr>
-    <a:masterClrMapping/>
-  </p:clrMapOvr>
+  <mc:AlternateContent xmlns:mc="http://schemas.openxmlformats.org/markup-compatibility/2006">
+    <mc:Choice xmlns:p159="http://schemas.microsoft.com/office/powerpoint/2015/09/main" Requires="p159">
+      <p:transition xmlns:p14="http://schemas.microsoft.com/office/powerpoint/2010/main" spd="slow" p14:dur="2000">
+        <p159:morph option="byObject"/>
+      </p:transition>
+    </mc:Choice>
+    <mc:Fallback>
+      <p:transition spd="slow">
+        <p:fade/>
+      </p:transition>
+    </mc:Fallback>
+  </mc:AlternateContent>
 </p:sld>
 </file>
 
@@ -10466,6 +12399,18 @@
   <p:clrMapOvr>
     <a:masterClrMapping/>
   </p:clrMapOvr>
+  <mc:AlternateContent xmlns:mc="http://schemas.openxmlformats.org/markup-compatibility/2006">
+    <mc:Choice xmlns:p159="http://schemas.microsoft.com/office/powerpoint/2015/09/main" Requires="p159">
+      <p:transition xmlns:p14="http://schemas.microsoft.com/office/powerpoint/2010/main" spd="slow" p14:dur="2000">
+        <p159:morph option="byObject"/>
+      </p:transition>
+    </mc:Choice>
+    <mc:Fallback>
+      <p:transition spd="slow">
+        <p:fade/>
+      </p:transition>
+    </mc:Fallback>
+  </mc:AlternateContent>
 </p:sld>
 </file>
 
@@ -10859,6 +12804,18 @@
   <p:clrMapOvr>
     <a:masterClrMapping/>
   </p:clrMapOvr>
+  <mc:AlternateContent xmlns:mc="http://schemas.openxmlformats.org/markup-compatibility/2006">
+    <mc:Choice xmlns:p159="http://schemas.microsoft.com/office/powerpoint/2015/09/main" Requires="p159">
+      <p:transition xmlns:p14="http://schemas.microsoft.com/office/powerpoint/2010/main" spd="slow" p14:dur="2000">
+        <p159:morph option="byObject"/>
+      </p:transition>
+    </mc:Choice>
+    <mc:Fallback>
+      <p:transition spd="slow">
+        <p:fade/>
+      </p:transition>
+    </mc:Fallback>
+  </mc:AlternateContent>
 </p:sld>
 </file>
 
@@ -11252,6 +13209,18 @@
   <p:clrMapOvr>
     <a:masterClrMapping/>
   </p:clrMapOvr>
+  <mc:AlternateContent xmlns:mc="http://schemas.openxmlformats.org/markup-compatibility/2006">
+    <mc:Choice xmlns:p159="http://schemas.microsoft.com/office/powerpoint/2015/09/main" Requires="p159">
+      <p:transition xmlns:p14="http://schemas.microsoft.com/office/powerpoint/2010/main" spd="slow" p14:dur="2000">
+        <p159:morph option="byObject"/>
+      </p:transition>
+    </mc:Choice>
+    <mc:Fallback>
+      <p:transition spd="slow">
+        <p:fade/>
+      </p:transition>
+    </mc:Fallback>
+  </mc:AlternateContent>
 </p:sld>
 </file>
 
@@ -11679,6 +13648,18 @@
   <p:clrMapOvr>
     <a:masterClrMapping/>
   </p:clrMapOvr>
+  <mc:AlternateContent xmlns:mc="http://schemas.openxmlformats.org/markup-compatibility/2006">
+    <mc:Choice xmlns:p159="http://schemas.microsoft.com/office/powerpoint/2015/09/main" Requires="p159">
+      <p:transition xmlns:p14="http://schemas.microsoft.com/office/powerpoint/2010/main" spd="slow" p14:dur="2000">
+        <p159:morph option="byObject"/>
+      </p:transition>
+    </mc:Choice>
+    <mc:Fallback>
+      <p:transition spd="slow">
+        <p:fade/>
+      </p:transition>
+    </mc:Fallback>
+  </mc:AlternateContent>
 </p:sld>
 </file>
 

--- a/documentation/argoworkflows.pptx
+++ b/documentation/argoworkflows.pptx
@@ -5,7 +5,7 @@
     <p:sldMasterId id="2147484366" r:id="rId1"/>
   </p:sldMasterIdLst>
   <p:notesMasterIdLst>
-    <p:notesMasterId r:id="rId12"/>
+    <p:notesMasterId r:id="rId13"/>
   </p:notesMasterIdLst>
   <p:sldIdLst>
     <p:sldId id="256" r:id="rId2"/>
@@ -18,6 +18,7 @@
     <p:sldId id="264" r:id="rId9"/>
     <p:sldId id="265" r:id="rId10"/>
     <p:sldId id="266" r:id="rId11"/>
+    <p:sldId id="268" r:id="rId12"/>
   </p:sldIdLst>
   <p:sldSz cx="12192000" cy="6858000"/>
   <p:notesSz cx="6858000" cy="9144000"/>
@@ -135,6 +136,7 @@
             <p14:sldId id="264"/>
             <p14:sldId id="265"/>
             <p14:sldId id="266"/>
+            <p14:sldId id="268"/>
           </p14:sldIdLst>
         </p14:section>
       </p14:sectionLst>
@@ -8820,6 +8822,260 @@
           </a:prstGeom>
         </p:spPr>
       </p:pic>
+    </p:spTree>
+    <p:extLst>
+      <p:ext uri="{BB962C8B-B14F-4D97-AF65-F5344CB8AC3E}">
+        <p14:creationId xmlns:p14="http://schemas.microsoft.com/office/powerpoint/2010/main" val="2362236287"/>
+      </p:ext>
+    </p:extLst>
+  </p:cSld>
+  <p:clrMapOvr>
+    <a:masterClrMapping/>
+  </p:clrMapOvr>
+  <mc:AlternateContent xmlns:mc="http://schemas.openxmlformats.org/markup-compatibility/2006">
+    <mc:Choice xmlns:p159="http://schemas.microsoft.com/office/powerpoint/2015/09/main" Requires="p159">
+      <p:transition xmlns:p14="http://schemas.microsoft.com/office/powerpoint/2010/main" spd="slow" p14:dur="2000">
+        <p159:morph option="byObject"/>
+      </p:transition>
+    </mc:Choice>
+    <mc:Fallback>
+      <p:transition spd="slow">
+        <p:fade/>
+      </p:transition>
+    </mc:Fallback>
+  </mc:AlternateContent>
+</p:sld>
+</file>
+
+<file path=ppt/slides/slide11.xml><?xml version="1.0" encoding="utf-8"?>
+<p:sld xmlns:a="http://schemas.openxmlformats.org/drawingml/2006/main" xmlns:r="http://schemas.openxmlformats.org/officeDocument/2006/relationships" xmlns:p="http://schemas.openxmlformats.org/presentationml/2006/main">
+  <p:cSld>
+    <p:spTree>
+      <p:nvGrpSpPr>
+        <p:cNvPr id="1" name=""/>
+        <p:cNvGrpSpPr/>
+        <p:nvPr/>
+      </p:nvGrpSpPr>
+      <p:grpSpPr>
+        <a:xfrm>
+          <a:off x="0" y="0"/>
+          <a:ext cx="0" cy="0"/>
+          <a:chOff x="0" y="0"/>
+          <a:chExt cx="0" cy="0"/>
+        </a:xfrm>
+      </p:grpSpPr>
+      <p:cxnSp>
+        <p:nvCxnSpPr>
+          <p:cNvPr id="4" name="Conector recto 3">
+            <a:extLst>
+              <a:ext uri="{FF2B5EF4-FFF2-40B4-BE49-F238E27FC236}">
+                <a16:creationId xmlns:a16="http://schemas.microsoft.com/office/drawing/2014/main" id="{54DE042F-3463-40B3-BB07-CE90768815BB}"/>
+              </a:ext>
+            </a:extLst>
+          </p:cNvPr>
+          <p:cNvCxnSpPr>
+            <a:cxnSpLocks/>
+          </p:cNvCxnSpPr>
+          <p:nvPr/>
+        </p:nvCxnSpPr>
+        <p:spPr>
+          <a:xfrm>
+            <a:off x="702704" y="861330"/>
+            <a:ext cx="10706324" cy="0"/>
+          </a:xfrm>
+          <a:prstGeom prst="line">
+            <a:avLst/>
+          </a:prstGeom>
+          <a:ln w="12700"/>
+        </p:spPr>
+        <p:style>
+          <a:lnRef idx="1">
+            <a:schemeClr val="accent6"/>
+          </a:lnRef>
+          <a:fillRef idx="0">
+            <a:schemeClr val="accent6"/>
+          </a:fillRef>
+          <a:effectRef idx="0">
+            <a:schemeClr val="accent6"/>
+          </a:effectRef>
+          <a:fontRef idx="minor">
+            <a:schemeClr val="tx1"/>
+          </a:fontRef>
+        </p:style>
+      </p:cxnSp>
+      <p:pic>
+        <p:nvPicPr>
+          <p:cNvPr id="6" name="Imagen 5" descr="Una caricatura de una persona&#10;&#10;Descripción generada automáticamente con confianza media">
+            <a:extLst>
+              <a:ext uri="{FF2B5EF4-FFF2-40B4-BE49-F238E27FC236}">
+                <a16:creationId xmlns:a16="http://schemas.microsoft.com/office/drawing/2014/main" id="{EECFD41F-ED07-4359-CF05-0DCA59F30C54}"/>
+              </a:ext>
+            </a:extLst>
+          </p:cNvPr>
+          <p:cNvPicPr>
+            <a:picLocks noChangeAspect="1"/>
+          </p:cNvPicPr>
+          <p:nvPr/>
+        </p:nvPicPr>
+        <p:blipFill rotWithShape="1">
+          <a:blip r:embed="rId2">
+            <a:alphaModFix/>
+          </a:blip>
+          <a:srcRect l="28358" r="33442"/>
+          <a:stretch/>
+        </p:blipFill>
+        <p:spPr>
+          <a:xfrm>
+            <a:off x="5481524" y="1648180"/>
+            <a:ext cx="1148683" cy="1691449"/>
+          </a:xfrm>
+          <a:custGeom>
+            <a:avLst/>
+            <a:gdLst/>
+            <a:ahLst/>
+            <a:cxnLst/>
+            <a:rect l="l" t="t" r="r" b="b"/>
+            <a:pathLst>
+              <a:path w="4657344" h="6858000">
+                <a:moveTo>
+                  <a:pt x="0" y="0"/>
+                </a:moveTo>
+                <a:lnTo>
+                  <a:pt x="3429755" y="0"/>
+                </a:lnTo>
+                <a:lnTo>
+                  <a:pt x="3526016" y="148742"/>
+                </a:lnTo>
+                <a:cubicBezTo>
+                  <a:pt x="3657740" y="365513"/>
+                  <a:pt x="3777402" y="589569"/>
+                  <a:pt x="3886489" y="819975"/>
+                </a:cubicBezTo>
+                <a:cubicBezTo>
+                  <a:pt x="3891856" y="833492"/>
+                  <a:pt x="3900663" y="845393"/>
+                  <a:pt x="3912049" y="854514"/>
+                </a:cubicBezTo>
+                <a:cubicBezTo>
+                  <a:pt x="3897352" y="819849"/>
+                  <a:pt x="3883037" y="784928"/>
+                  <a:pt x="3868083" y="750263"/>
+                </a:cubicBezTo>
+                <a:cubicBezTo>
+                  <a:pt x="3806989" y="608712"/>
+                  <a:pt x="3742478" y="469145"/>
+                  <a:pt x="3674155" y="331786"/>
+                </a:cubicBezTo>
+                <a:lnTo>
+                  <a:pt x="3496656" y="0"/>
+                </a:lnTo>
+                <a:lnTo>
+                  <a:pt x="3554371" y="0"/>
+                </a:lnTo>
+                <a:lnTo>
+                  <a:pt x="3661621" y="196614"/>
+                </a:lnTo>
+                <a:cubicBezTo>
+                  <a:pt x="3856899" y="573253"/>
+                  <a:pt x="4021071" y="966066"/>
+                  <a:pt x="4161279" y="1371196"/>
+                </a:cubicBezTo>
+                <a:cubicBezTo>
+                  <a:pt x="4379525" y="2007265"/>
+                  <a:pt x="4530141" y="2664286"/>
+                  <a:pt x="4610660" y="3331516"/>
+                </a:cubicBezTo>
+                <a:cubicBezTo>
+                  <a:pt x="4652837" y="3672965"/>
+                  <a:pt x="4671625" y="4013908"/>
+                  <a:pt x="4645040" y="4357388"/>
+                </a:cubicBezTo>
+                <a:cubicBezTo>
+                  <a:pt x="4613599" y="4758899"/>
+                  <a:pt x="4566181" y="5157998"/>
+                  <a:pt x="4485789" y="5552906"/>
+                </a:cubicBezTo>
+                <a:cubicBezTo>
+                  <a:pt x="4397121" y="5988893"/>
+                  <a:pt x="4276748" y="6414594"/>
+                  <a:pt x="4117769" y="6828295"/>
+                </a:cubicBezTo>
+                <a:lnTo>
+                  <a:pt x="4105288" y="6858000"/>
+                </a:lnTo>
+                <a:lnTo>
+                  <a:pt x="4052520" y="6858000"/>
+                </a:lnTo>
+                <a:lnTo>
+                  <a:pt x="4059369" y="6841549"/>
+                </a:lnTo>
+                <a:cubicBezTo>
+                  <a:pt x="4147276" y="6614016"/>
+                  <a:pt x="4224193" y="6380817"/>
+                  <a:pt x="4291518" y="6142729"/>
+                </a:cubicBezTo>
+                <a:cubicBezTo>
+                  <a:pt x="4350055" y="5935370"/>
+                  <a:pt x="4393256" y="5723695"/>
+                  <a:pt x="4443357" y="5513923"/>
+                </a:cubicBezTo>
+                <a:cubicBezTo>
+                  <a:pt x="4444541" y="5502788"/>
+                  <a:pt x="4445137" y="5491601"/>
+                  <a:pt x="4445146" y="5480401"/>
+                </a:cubicBezTo>
+                <a:cubicBezTo>
+                  <a:pt x="4408465" y="5607635"/>
+                  <a:pt x="4379196" y="5719759"/>
+                  <a:pt x="4344559" y="5830359"/>
+                </a:cubicBezTo>
+                <a:cubicBezTo>
+                  <a:pt x="4254261" y="6118381"/>
+                  <a:pt x="4150112" y="6398531"/>
+                  <a:pt x="4031702" y="6670527"/>
+                </a:cubicBezTo>
+                <a:lnTo>
+                  <a:pt x="3943824" y="6858000"/>
+                </a:lnTo>
+                <a:lnTo>
+                  <a:pt x="0" y="6858000"/>
+                </a:lnTo>
+                <a:close/>
+              </a:path>
+            </a:pathLst>
+          </a:custGeom>
+        </p:spPr>
+      </p:pic>
+      <p:pic>
+        <p:nvPicPr>
+          <p:cNvPr id="7" name="Imagen 6" descr="Texto, Pizarra&#10;&#10;Descripción generada automáticamente">
+            <a:extLst>
+              <a:ext uri="{FF2B5EF4-FFF2-40B4-BE49-F238E27FC236}">
+                <a16:creationId xmlns:a16="http://schemas.microsoft.com/office/drawing/2014/main" id="{5C175A76-E49F-5256-A420-6768163DB098}"/>
+              </a:ext>
+            </a:extLst>
+          </p:cNvPr>
+          <p:cNvPicPr>
+            <a:picLocks noChangeAspect="1"/>
+          </p:cNvPicPr>
+          <p:nvPr/>
+        </p:nvPicPr>
+        <p:blipFill>
+          <a:blip r:embed="rId3"/>
+          <a:stretch>
+            <a:fillRect/>
+          </a:stretch>
+        </p:blipFill>
+        <p:spPr>
+          <a:xfrm>
+            <a:off x="9647799" y="210827"/>
+            <a:ext cx="1841497" cy="650503"/>
+          </a:xfrm>
+          <a:prstGeom prst="rect">
+            <a:avLst/>
+          </a:prstGeom>
+        </p:spPr>
+      </p:pic>
       <p:sp>
         <p:nvSpPr>
           <p:cNvPr id="5" name="Subtítulo 2">
@@ -8836,8 +9092,8 @@
         </p:nvSpPr>
         <p:spPr>
           <a:xfrm>
-            <a:off x="702704" y="6165048"/>
-            <a:ext cx="3847608" cy="503081"/>
+            <a:off x="702704" y="5913507"/>
+            <a:ext cx="4623676" cy="503081"/>
           </a:xfrm>
           <a:prstGeom prst="rect">
             <a:avLst/>
@@ -9014,18 +9270,90 @@
           <a:p>
             <a:pPr algn="l"/>
             <a:r>
+              <a:rPr lang="es-ES" sz="1600" dirty="0">
+                <a:latin typeface="Avenir Book" panose="02000503020000020003" pitchFamily="2" charset="0"/>
+              </a:rPr>
+              <a:t>Agradecimiento especial a </a:t>
+            </a:r>
+            <a:r>
               <a:rPr lang="es-ES" sz="1600" b="1" dirty="0">
                 <a:latin typeface="Avenir Book" panose="02000503020000020003" pitchFamily="2" charset="0"/>
               </a:rPr>
-              <a:t>Agradecimiento a Diego Fernández</a:t>
+              <a:t>Diego Fernández</a:t>
             </a:r>
           </a:p>
         </p:txBody>
       </p:sp>
+      <p:sp>
+        <p:nvSpPr>
+          <p:cNvPr id="12" name="Título 1">
+            <a:extLst>
+              <a:ext uri="{FF2B5EF4-FFF2-40B4-BE49-F238E27FC236}">
+                <a16:creationId xmlns:a16="http://schemas.microsoft.com/office/drawing/2014/main" id="{AA25EF9E-42ED-A273-C9C1-464D5228CAFD}"/>
+              </a:ext>
+            </a:extLst>
+          </p:cNvPr>
+          <p:cNvSpPr>
+            <a:spLocks noGrp="1"/>
+          </p:cNvSpPr>
+          <p:nvPr>
+            <p:ph type="title"/>
+          </p:nvPr>
+        </p:nvSpPr>
+        <p:spPr>
+          <a:xfrm>
+            <a:off x="3647002" y="3354116"/>
+            <a:ext cx="4897996" cy="618046"/>
+          </a:xfrm>
+        </p:spPr>
+        <p:txBody>
+          <a:bodyPr anchor="b">
+            <a:normAutofit/>
+          </a:bodyPr>
+          <a:lstStyle/>
+          <a:p>
+            <a:r>
+              <a:rPr lang="es-ES" sz="3600" dirty="0">
+                <a:latin typeface="Avenir Book" panose="02000503020000020003" pitchFamily="2" charset="0"/>
+              </a:rPr>
+              <a:t>Gracias por tu tiempo</a:t>
+            </a:r>
+          </a:p>
+        </p:txBody>
+      </p:sp>
+      <p:pic>
+        <p:nvPicPr>
+          <p:cNvPr id="13" name="Imagen 12" descr="Texto&#10;&#10;Descripción generada automáticamente">
+            <a:extLst>
+              <a:ext uri="{FF2B5EF4-FFF2-40B4-BE49-F238E27FC236}">
+                <a16:creationId xmlns:a16="http://schemas.microsoft.com/office/drawing/2014/main" id="{9C9517CC-5146-0354-FCCB-BFBE0A1FD01C}"/>
+              </a:ext>
+            </a:extLst>
+          </p:cNvPr>
+          <p:cNvPicPr>
+            <a:picLocks noChangeAspect="1"/>
+          </p:cNvPicPr>
+          <p:nvPr/>
+        </p:nvPicPr>
+        <p:blipFill rotWithShape="1">
+          <a:blip r:embed="rId4"/>
+          <a:srcRect l="24083" r="26628"/>
+          <a:stretch/>
+        </p:blipFill>
+        <p:spPr>
+          <a:xfrm>
+            <a:off x="577798" y="-87875"/>
+            <a:ext cx="3069204" cy="1058573"/>
+          </a:xfrm>
+          <a:prstGeom prst="rect">
+            <a:avLst/>
+          </a:prstGeom>
+        </p:spPr>
+      </p:pic>
     </p:spTree>
     <p:extLst>
       <p:ext uri="{BB962C8B-B14F-4D97-AF65-F5344CB8AC3E}">
-        <p14:creationId xmlns:p14="http://schemas.microsoft.com/office/powerpoint/2010/main" val="2362236287"/>
+        <p14:creationId xmlns:p14="http://schemas.microsoft.com/office/powerpoint/2010/main" val="1417237499"/>
       </p:ext>
     </p:extLst>
   </p:cSld>
